--- a/Lora.pptx
+++ b/Lora.pptx
@@ -5,7 +5,7 @@
     <p:sldMasterId id="2147483660" r:id="rId1"/>
   </p:sldMasterIdLst>
   <p:notesMasterIdLst>
-    <p:notesMasterId r:id="rId20"/>
+    <p:notesMasterId r:id="rId21"/>
   </p:notesMasterIdLst>
   <p:sldIdLst>
     <p:sldId id="256" r:id="rId2"/>
@@ -17,15 +17,16 @@
     <p:sldId id="281" r:id="rId8"/>
     <p:sldId id="300" r:id="rId9"/>
     <p:sldId id="283" r:id="rId10"/>
-    <p:sldId id="298" r:id="rId11"/>
-    <p:sldId id="273" r:id="rId12"/>
-    <p:sldId id="274" r:id="rId13"/>
-    <p:sldId id="271" r:id="rId14"/>
-    <p:sldId id="285" r:id="rId15"/>
-    <p:sldId id="272" r:id="rId16"/>
-    <p:sldId id="270" r:id="rId17"/>
-    <p:sldId id="301" r:id="rId18"/>
-    <p:sldId id="299" r:id="rId19"/>
+    <p:sldId id="302" r:id="rId11"/>
+    <p:sldId id="298" r:id="rId12"/>
+    <p:sldId id="273" r:id="rId13"/>
+    <p:sldId id="274" r:id="rId14"/>
+    <p:sldId id="271" r:id="rId15"/>
+    <p:sldId id="285" r:id="rId16"/>
+    <p:sldId id="272" r:id="rId17"/>
+    <p:sldId id="270" r:id="rId18"/>
+    <p:sldId id="301" r:id="rId19"/>
+    <p:sldId id="299" r:id="rId20"/>
   </p:sldIdLst>
   <p:sldSz cx="12192000" cy="6858000"/>
   <p:notesSz cx="6858000" cy="9144000"/>
@@ -685,7 +686,7 @@
           <a:p>
             <a:fld id="{E2AD5357-5491-40AE-B921-8877855AD794}" type="datetimeFigureOut">
               <a:rPr lang="en-US" smtClean="0"/>
-              <a:t>10/15/2024</a:t>
+              <a:t>10/16/2024</a:t>
             </a:fld>
             <a:endParaRPr lang="en-US"/>
           </a:p>
@@ -53220,6 +53221,94 @@
           <p:cNvPr id="2" name="Title 1">
             <a:extLst>
               <a:ext uri="{FF2B5EF4-FFF2-40B4-BE49-F238E27FC236}">
+                <a16:creationId xmlns:a16="http://schemas.microsoft.com/office/drawing/2014/main" id="{899B92A3-57C3-75E6-FC5C-633CE745850B}"/>
+              </a:ext>
+            </a:extLst>
+          </p:cNvPr>
+          <p:cNvSpPr>
+            <a:spLocks noGrp="1"/>
+          </p:cNvSpPr>
+          <p:nvPr>
+            <p:ph type="title"/>
+          </p:nvPr>
+        </p:nvSpPr>
+        <p:spPr/>
+        <p:txBody>
+          <a:bodyPr/>
+          <a:lstStyle/>
+          <a:p>
+            <a:r>
+              <a:rPr lang="en-US" dirty="0"/>
+              <a:t>LoRa TX Frame</a:t>
+            </a:r>
+          </a:p>
+        </p:txBody>
+      </p:sp>
+      <p:pic>
+        <p:nvPicPr>
+          <p:cNvPr id="4" name="Picture 3">
+            <a:extLst>
+              <a:ext uri="{FF2B5EF4-FFF2-40B4-BE49-F238E27FC236}">
+                <a16:creationId xmlns:a16="http://schemas.microsoft.com/office/drawing/2014/main" id="{3255054C-A2E2-2069-BD2E-C594A905DB5D}"/>
+              </a:ext>
+            </a:extLst>
+          </p:cNvPr>
+          <p:cNvPicPr>
+            <a:picLocks noChangeAspect="1"/>
+          </p:cNvPicPr>
+          <p:nvPr/>
+        </p:nvPicPr>
+        <p:blipFill>
+          <a:blip r:embed="rId2"/>
+          <a:stretch>
+            <a:fillRect/>
+          </a:stretch>
+        </p:blipFill>
+        <p:spPr>
+          <a:xfrm>
+            <a:off x="691375" y="1418132"/>
+            <a:ext cx="10809249" cy="5404625"/>
+          </a:xfrm>
+          <a:prstGeom prst="rect">
+            <a:avLst/>
+          </a:prstGeom>
+        </p:spPr>
+      </p:pic>
+    </p:spTree>
+    <p:extLst>
+      <p:ext uri="{BB962C8B-B14F-4D97-AF65-F5344CB8AC3E}">
+        <p14:creationId xmlns:p14="http://schemas.microsoft.com/office/powerpoint/2010/main" val="3833717795"/>
+      </p:ext>
+    </p:extLst>
+  </p:cSld>
+  <p:clrMapOvr>
+    <a:masterClrMapping/>
+  </p:clrMapOvr>
+</p:sld>
+</file>
+
+<file path=ppt/slides/slide11.xml><?xml version="1.0" encoding="utf-8"?>
+<p:sld xmlns:a="http://schemas.openxmlformats.org/drawingml/2006/main" xmlns:r="http://schemas.openxmlformats.org/officeDocument/2006/relationships" xmlns:p="http://schemas.openxmlformats.org/presentationml/2006/main">
+  <p:cSld>
+    <p:spTree>
+      <p:nvGrpSpPr>
+        <p:cNvPr id="1" name=""/>
+        <p:cNvGrpSpPr/>
+        <p:nvPr/>
+      </p:nvGrpSpPr>
+      <p:grpSpPr>
+        <a:xfrm>
+          <a:off x="0" y="0"/>
+          <a:ext cx="0" cy="0"/>
+          <a:chOff x="0" y="0"/>
+          <a:chExt cx="0" cy="0"/>
+        </a:xfrm>
+      </p:grpSpPr>
+      <p:sp>
+        <p:nvSpPr>
+          <p:cNvPr id="2" name="Title 1">
+            <a:extLst>
+              <a:ext uri="{FF2B5EF4-FFF2-40B4-BE49-F238E27FC236}">
                 <a16:creationId xmlns:a16="http://schemas.microsoft.com/office/drawing/2014/main" id="{1C445A6C-2378-D623-8B8C-E297A545B002}"/>
               </a:ext>
             </a:extLst>
@@ -53368,7 +53457,7 @@
 </p:sld>
 </file>
 
-<file path=ppt/slides/slide11.xml><?xml version="1.0" encoding="utf-8"?>
+<file path=ppt/slides/slide12.xml><?xml version="1.0" encoding="utf-8"?>
 <p:sld xmlns:a="http://schemas.openxmlformats.org/drawingml/2006/main" xmlns:r="http://schemas.openxmlformats.org/officeDocument/2006/relationships" xmlns:p="http://schemas.openxmlformats.org/presentationml/2006/main">
   <p:cSld>
     <p:spTree>
@@ -53759,7 +53848,7 @@
 </p:sld>
 </file>
 
-<file path=ppt/slides/slide12.xml><?xml version="1.0" encoding="utf-8"?>
+<file path=ppt/slides/slide13.xml><?xml version="1.0" encoding="utf-8"?>
 <p:sld xmlns:a="http://schemas.openxmlformats.org/drawingml/2006/main" xmlns:r="http://schemas.openxmlformats.org/officeDocument/2006/relationships" xmlns:p="http://schemas.openxmlformats.org/presentationml/2006/main">
   <p:cSld>
     <p:spTree>
@@ -54008,7 +54097,7 @@
 </p:sld>
 </file>
 
-<file path=ppt/slides/slide13.xml><?xml version="1.0" encoding="utf-8"?>
+<file path=ppt/slides/slide14.xml><?xml version="1.0" encoding="utf-8"?>
 <p:sld xmlns:a="http://schemas.openxmlformats.org/drawingml/2006/main" xmlns:r="http://schemas.openxmlformats.org/officeDocument/2006/relationships" xmlns:p="http://schemas.openxmlformats.org/presentationml/2006/main">
   <p:cSld>
     <p:spTree>
@@ -54094,6 +54183,21 @@
             <a:r>
               <a:rPr lang="en-US" dirty="0"/>
               <a:t>Try to follow the wiring exactly!</a:t>
+            </a:r>
+          </a:p>
+          <a:p>
+            <a:pPr marL="186262" indent="0">
+              <a:buNone/>
+            </a:pPr>
+            <a:endParaRPr lang="en-US" dirty="0"/>
+          </a:p>
+          <a:p>
+            <a:pPr marL="186262" indent="0">
+              <a:buNone/>
+            </a:pPr>
+            <a:r>
+              <a:rPr lang="en-US" dirty="0"/>
+              <a:t>Use Tweezers and keep the wires flat on the breadboard!</a:t>
             </a:r>
           </a:p>
         </p:txBody>
@@ -54239,7 +54343,7 @@
 </p:sld>
 </file>
 
-<file path=ppt/slides/slide14.xml><?xml version="1.0" encoding="utf-8"?>
+<file path=ppt/slides/slide15.xml><?xml version="1.0" encoding="utf-8"?>
 <p:sld xmlns:a="http://schemas.openxmlformats.org/drawingml/2006/main" xmlns:r="http://schemas.openxmlformats.org/officeDocument/2006/relationships" xmlns:p="http://schemas.openxmlformats.org/presentationml/2006/main">
   <p:cSld>
     <p:spTree>
@@ -54522,7 +54626,7 @@
 </p:sld>
 </file>
 
-<file path=ppt/slides/slide15.xml><?xml version="1.0" encoding="utf-8"?>
+<file path=ppt/slides/slide16.xml><?xml version="1.0" encoding="utf-8"?>
 <p:sld xmlns:a="http://schemas.openxmlformats.org/drawingml/2006/main" xmlns:r="http://schemas.openxmlformats.org/officeDocument/2006/relationships" xmlns:p="http://schemas.openxmlformats.org/presentationml/2006/main">
   <p:cSld>
     <p:spTree>
@@ -54628,6 +54732,323 @@
           </a:prstGeom>
         </p:spPr>
       </p:pic>
+      <p:sp>
+        <p:nvSpPr>
+          <p:cNvPr id="4" name="Text Placeholder 2">
+            <a:extLst>
+              <a:ext uri="{FF2B5EF4-FFF2-40B4-BE49-F238E27FC236}">
+                <a16:creationId xmlns:a16="http://schemas.microsoft.com/office/drawing/2014/main" id="{CB07B99E-D595-E9BE-E9F4-9910605F7A58}"/>
+              </a:ext>
+            </a:extLst>
+          </p:cNvPr>
+          <p:cNvSpPr txBox="1">
+            <a:spLocks/>
+          </p:cNvSpPr>
+          <p:nvPr/>
+        </p:nvSpPr>
+        <p:spPr>
+          <a:xfrm>
+            <a:off x="200025" y="1789667"/>
+            <a:ext cx="2487527" cy="4348800"/>
+          </a:xfrm>
+          <a:prstGeom prst="rect">
+            <a:avLst/>
+          </a:prstGeom>
+          <a:noFill/>
+          <a:ln>
+            <a:noFill/>
+          </a:ln>
+        </p:spPr>
+        <p:txBody>
+          <a:bodyPr spcFirstLastPara="1" wrap="square" lIns="91425" tIns="91425" rIns="91425" bIns="91425" anchor="ctr" anchorCtr="0">
+            <a:noAutofit/>
+          </a:bodyPr>
+          <a:lstStyle>
+            <a:defPPr marR="0" lvl="0" algn="l" rtl="0">
+              <a:lnSpc>
+                <a:spcPct val="100000"/>
+              </a:lnSpc>
+              <a:spcBef>
+                <a:spcPts val="0"/>
+              </a:spcBef>
+              <a:spcAft>
+                <a:spcPts val="0"/>
+              </a:spcAft>
+            </a:defPPr>
+            <a:lvl1pPr marL="609585" marR="0" lvl="0" indent="-423323" algn="ctr" rtl="0" eaLnBrk="1" hangingPunct="1">
+              <a:lnSpc>
+                <a:spcPct val="100000"/>
+              </a:lnSpc>
+              <a:spcBef>
+                <a:spcPts val="0"/>
+              </a:spcBef>
+              <a:spcAft>
+                <a:spcPts val="0"/>
+              </a:spcAft>
+              <a:buClr>
+                <a:schemeClr val="accent1"/>
+              </a:buClr>
+              <a:buSzPts val="1400"/>
+              <a:buFont typeface="Lato"/>
+              <a:buChar char="○"/>
+              <a:defRPr sz="1867" b="0" i="0" u="none" strike="noStrike" cap="none">
+                <a:solidFill>
+                  <a:schemeClr val="dk2"/>
+                </a:solidFill>
+                <a:latin typeface="Source Sans Pro"/>
+                <a:ea typeface="Source Sans Pro"/>
+                <a:cs typeface="Source Sans Pro"/>
+                <a:sym typeface="Source Sans Pro"/>
+              </a:defRPr>
+            </a:lvl1pPr>
+            <a:lvl2pPr marL="1219170" marR="0" lvl="1" indent="-423323" algn="l" rtl="0" eaLnBrk="1" hangingPunct="1">
+              <a:lnSpc>
+                <a:spcPct val="100000"/>
+              </a:lnSpc>
+              <a:spcBef>
+                <a:spcPts val="2133"/>
+              </a:spcBef>
+              <a:spcAft>
+                <a:spcPts val="0"/>
+              </a:spcAft>
+              <a:buClr>
+                <a:schemeClr val="dk2"/>
+              </a:buClr>
+              <a:buSzPts val="1400"/>
+              <a:buFont typeface="Lato"/>
+              <a:buChar char="○"/>
+              <a:defRPr sz="1867" b="0" i="0" u="none" strike="noStrike" cap="none">
+                <a:solidFill>
+                  <a:schemeClr val="dk2"/>
+                </a:solidFill>
+                <a:latin typeface="Source Sans Pro"/>
+                <a:ea typeface="Source Sans Pro"/>
+                <a:cs typeface="Source Sans Pro"/>
+                <a:sym typeface="Source Sans Pro"/>
+              </a:defRPr>
+            </a:lvl2pPr>
+            <a:lvl3pPr marL="1828754" marR="0" lvl="2" indent="-423323" algn="l" rtl="0" eaLnBrk="1" hangingPunct="1">
+              <a:lnSpc>
+                <a:spcPct val="100000"/>
+              </a:lnSpc>
+              <a:spcBef>
+                <a:spcPts val="2133"/>
+              </a:spcBef>
+              <a:spcAft>
+                <a:spcPts val="0"/>
+              </a:spcAft>
+              <a:buClr>
+                <a:schemeClr val="dk2"/>
+              </a:buClr>
+              <a:buSzPts val="1400"/>
+              <a:buFont typeface="Lato"/>
+              <a:buChar char="■"/>
+              <a:defRPr sz="1867" b="0" i="0" u="none" strike="noStrike" cap="none">
+                <a:solidFill>
+                  <a:schemeClr val="dk2"/>
+                </a:solidFill>
+                <a:latin typeface="Source Sans Pro"/>
+                <a:ea typeface="Source Sans Pro"/>
+                <a:cs typeface="Source Sans Pro"/>
+                <a:sym typeface="Source Sans Pro"/>
+              </a:defRPr>
+            </a:lvl3pPr>
+            <a:lvl4pPr marL="2438339" marR="0" lvl="3" indent="-423323" algn="l" rtl="0" eaLnBrk="1" hangingPunct="1">
+              <a:lnSpc>
+                <a:spcPct val="100000"/>
+              </a:lnSpc>
+              <a:spcBef>
+                <a:spcPts val="2133"/>
+              </a:spcBef>
+              <a:spcAft>
+                <a:spcPts val="0"/>
+              </a:spcAft>
+              <a:buClr>
+                <a:schemeClr val="dk2"/>
+              </a:buClr>
+              <a:buSzPts val="1400"/>
+              <a:buFont typeface="Lato"/>
+              <a:buChar char="●"/>
+              <a:defRPr sz="1867" b="0" i="0" u="none" strike="noStrike" cap="none">
+                <a:solidFill>
+                  <a:schemeClr val="dk2"/>
+                </a:solidFill>
+                <a:latin typeface="Source Sans Pro"/>
+                <a:ea typeface="Source Sans Pro"/>
+                <a:cs typeface="Source Sans Pro"/>
+                <a:sym typeface="Source Sans Pro"/>
+              </a:defRPr>
+            </a:lvl4pPr>
+            <a:lvl5pPr marL="3047924" marR="0" lvl="4" indent="-423323" algn="l" rtl="0" eaLnBrk="1" hangingPunct="1">
+              <a:lnSpc>
+                <a:spcPct val="100000"/>
+              </a:lnSpc>
+              <a:spcBef>
+                <a:spcPts val="2133"/>
+              </a:spcBef>
+              <a:spcAft>
+                <a:spcPts val="0"/>
+              </a:spcAft>
+              <a:buClr>
+                <a:schemeClr val="dk2"/>
+              </a:buClr>
+              <a:buSzPts val="1400"/>
+              <a:buFont typeface="Lato"/>
+              <a:buChar char="○"/>
+              <a:defRPr sz="1867" b="0" i="0" u="none" strike="noStrike" cap="none">
+                <a:solidFill>
+                  <a:schemeClr val="dk2"/>
+                </a:solidFill>
+                <a:latin typeface="Source Sans Pro"/>
+                <a:ea typeface="Source Sans Pro"/>
+                <a:cs typeface="Source Sans Pro"/>
+                <a:sym typeface="Source Sans Pro"/>
+              </a:defRPr>
+            </a:lvl5pPr>
+            <a:lvl6pPr marL="3657509" marR="0" lvl="5" indent="-423323" algn="l" rtl="0" eaLnBrk="1" hangingPunct="1">
+              <a:lnSpc>
+                <a:spcPct val="100000"/>
+              </a:lnSpc>
+              <a:spcBef>
+                <a:spcPts val="2133"/>
+              </a:spcBef>
+              <a:spcAft>
+                <a:spcPts val="0"/>
+              </a:spcAft>
+              <a:buClr>
+                <a:schemeClr val="dk2"/>
+              </a:buClr>
+              <a:buSzPts val="1400"/>
+              <a:buFont typeface="Lato"/>
+              <a:buChar char="■"/>
+              <a:defRPr sz="1867" b="0" i="0" u="none" strike="noStrike" cap="none">
+                <a:solidFill>
+                  <a:schemeClr val="dk2"/>
+                </a:solidFill>
+                <a:latin typeface="Source Sans Pro"/>
+                <a:ea typeface="Source Sans Pro"/>
+                <a:cs typeface="Source Sans Pro"/>
+                <a:sym typeface="Source Sans Pro"/>
+              </a:defRPr>
+            </a:lvl6pPr>
+            <a:lvl7pPr marL="4267093" marR="0" lvl="6" indent="-423323" algn="l" rtl="0" eaLnBrk="1" hangingPunct="1">
+              <a:lnSpc>
+                <a:spcPct val="100000"/>
+              </a:lnSpc>
+              <a:spcBef>
+                <a:spcPts val="2133"/>
+              </a:spcBef>
+              <a:spcAft>
+                <a:spcPts val="0"/>
+              </a:spcAft>
+              <a:buClr>
+                <a:schemeClr val="dk2"/>
+              </a:buClr>
+              <a:buSzPts val="1400"/>
+              <a:buFont typeface="Lato"/>
+              <a:buChar char="●"/>
+              <a:defRPr sz="1867" b="0" i="0" u="none" strike="noStrike" cap="none">
+                <a:solidFill>
+                  <a:schemeClr val="dk2"/>
+                </a:solidFill>
+                <a:latin typeface="Source Sans Pro"/>
+                <a:ea typeface="Source Sans Pro"/>
+                <a:cs typeface="Source Sans Pro"/>
+                <a:sym typeface="Source Sans Pro"/>
+              </a:defRPr>
+            </a:lvl7pPr>
+            <a:lvl8pPr marL="4876678" marR="0" lvl="7" indent="-423323" algn="l" rtl="0" eaLnBrk="1" hangingPunct="1">
+              <a:lnSpc>
+                <a:spcPct val="100000"/>
+              </a:lnSpc>
+              <a:spcBef>
+                <a:spcPts val="2133"/>
+              </a:spcBef>
+              <a:spcAft>
+                <a:spcPts val="0"/>
+              </a:spcAft>
+              <a:buClr>
+                <a:schemeClr val="dk2"/>
+              </a:buClr>
+              <a:buSzPts val="1400"/>
+              <a:buFont typeface="Lato"/>
+              <a:buChar char="○"/>
+              <a:defRPr sz="1867" b="0" i="0" u="none" strike="noStrike" cap="none">
+                <a:solidFill>
+                  <a:schemeClr val="dk2"/>
+                </a:solidFill>
+                <a:latin typeface="Source Sans Pro"/>
+                <a:ea typeface="Source Sans Pro"/>
+                <a:cs typeface="Source Sans Pro"/>
+                <a:sym typeface="Source Sans Pro"/>
+              </a:defRPr>
+            </a:lvl8pPr>
+            <a:lvl9pPr marL="5486263" marR="0" lvl="8" indent="-423323" algn="l" rtl="0" eaLnBrk="1" hangingPunct="1">
+              <a:lnSpc>
+                <a:spcPct val="100000"/>
+              </a:lnSpc>
+              <a:spcBef>
+                <a:spcPts val="2133"/>
+              </a:spcBef>
+              <a:spcAft>
+                <a:spcPts val="2133"/>
+              </a:spcAft>
+              <a:buClr>
+                <a:schemeClr val="dk2"/>
+              </a:buClr>
+              <a:buSzPts val="1400"/>
+              <a:buFont typeface="Lato"/>
+              <a:buChar char="■"/>
+              <a:defRPr sz="1867" b="0" i="0" u="none" strike="noStrike" cap="none">
+                <a:solidFill>
+                  <a:schemeClr val="dk2"/>
+                </a:solidFill>
+                <a:latin typeface="Source Sans Pro"/>
+                <a:ea typeface="Source Sans Pro"/>
+                <a:cs typeface="Source Sans Pro"/>
+                <a:sym typeface="Source Sans Pro"/>
+              </a:defRPr>
+            </a:lvl9pPr>
+          </a:lstStyle>
+          <a:p>
+            <a:pPr marL="186262" indent="0">
+              <a:buFont typeface="Lato"/>
+              <a:buNone/>
+            </a:pPr>
+            <a:r>
+              <a:rPr lang="en-US" dirty="0"/>
+              <a:t>Receiver:</a:t>
+            </a:r>
+          </a:p>
+          <a:p>
+            <a:pPr marL="186262" indent="0">
+              <a:buFont typeface="Lato"/>
+              <a:buNone/>
+            </a:pPr>
+            <a:r>
+              <a:rPr lang="en-US" dirty="0"/>
+              <a:t>Try to follow the wiring exactly!</a:t>
+            </a:r>
+          </a:p>
+          <a:p>
+            <a:pPr marL="186262" indent="0">
+              <a:buFont typeface="Lato"/>
+              <a:buNone/>
+            </a:pPr>
+            <a:endParaRPr lang="en-US" dirty="0"/>
+          </a:p>
+          <a:p>
+            <a:pPr marL="186262" indent="0">
+              <a:buFont typeface="Lato"/>
+              <a:buNone/>
+            </a:pPr>
+            <a:r>
+              <a:rPr lang="en-US" dirty="0"/>
+              <a:t>Use Tweezers and keep the wires flat on the breadboard!</a:t>
+            </a:r>
+          </a:p>
+        </p:txBody>
+      </p:sp>
     </p:spTree>
     <p:extLst>
       <p:ext uri="{BB962C8B-B14F-4D97-AF65-F5344CB8AC3E}">
@@ -54641,7 +55062,7 @@
 </p:sld>
 </file>
 
-<file path=ppt/slides/slide16.xml><?xml version="1.0" encoding="utf-8"?>
+<file path=ppt/slides/slide17.xml><?xml version="1.0" encoding="utf-8"?>
 <p:sld xmlns:a="http://schemas.openxmlformats.org/drawingml/2006/main" xmlns:r="http://schemas.openxmlformats.org/officeDocument/2006/relationships" xmlns:p="http://schemas.openxmlformats.org/presentationml/2006/main">
   <p:cSld>
     <p:spTree>
@@ -54762,7 +55183,7 @@
 </p:sld>
 </file>
 
-<file path=ppt/slides/slide17.xml><?xml version="1.0" encoding="utf-8"?>
+<file path=ppt/slides/slide18.xml><?xml version="1.0" encoding="utf-8"?>
 <p:sld xmlns:a="http://schemas.openxmlformats.org/drawingml/2006/main" xmlns:r="http://schemas.openxmlformats.org/officeDocument/2006/relationships" xmlns:p="http://schemas.openxmlformats.org/presentationml/2006/main">
   <p:cSld>
     <p:spTree>
@@ -54901,7 +55322,7 @@
 </p:sld>
 </file>
 
-<file path=ppt/slides/slide18.xml><?xml version="1.0" encoding="utf-8"?>
+<file path=ppt/slides/slide19.xml><?xml version="1.0" encoding="utf-8"?>
 <p:sld xmlns:a="http://schemas.openxmlformats.org/drawingml/2006/main" xmlns:r="http://schemas.openxmlformats.org/officeDocument/2006/relationships" xmlns:p="http://schemas.openxmlformats.org/presentationml/2006/main">
   <p:cSld>
     <p:spTree>
@@ -55445,7 +55866,7 @@
           <a:p>
             <a:r>
               <a:rPr lang="en-US" dirty="0"/>
-              <a:t>Go To Repositories and find LoRa</a:t>
+              <a:t>Go To Repositories and find LoRa-Radio</a:t>
             </a:r>
           </a:p>
           <a:p>
@@ -56805,7 +57226,7 @@
         </p:nvSpPr>
         <p:spPr>
           <a:xfrm>
-            <a:off x="2803814" y="6290800"/>
+            <a:off x="2425124" y="5981492"/>
             <a:ext cx="3444586" cy="523220"/>
           </a:xfrm>
           <a:prstGeom prst="rect">
@@ -56962,8 +57383,8 @@
         </p:nvSpPr>
         <p:spPr>
           <a:xfrm>
-            <a:off x="2606964" y="2731079"/>
-            <a:ext cx="6248400" cy="1169551"/>
+            <a:off x="870528" y="1927516"/>
+            <a:ext cx="6248400" cy="1991379"/>
           </a:xfrm>
           <a:prstGeom prst="rect">
             <a:avLst/>
@@ -56976,6 +57397,16 @@
           </a:bodyPr>
           <a:lstStyle/>
           <a:p>
+            <a:pPr marL="285750" indent="-285750">
+              <a:lnSpc>
+                <a:spcPct val="150000"/>
+              </a:lnSpc>
+              <a:buClr>
+                <a:schemeClr val="tx1"/>
+              </a:buClr>
+              <a:buFont typeface="Arial" panose="020B0604020202020204" pitchFamily="34" charset="0"/>
+              <a:buChar char="•"/>
+            </a:pPr>
             <a:r>
               <a:rPr lang="en-US" dirty="0">
                 <a:solidFill>
@@ -56998,7 +57429,27 @@
                   <a:schemeClr val="tx1"/>
                 </a:solidFill>
               </a:rPr>
-              <a:t> defines 64, 125 kHz wide uplink channels from 902.3 MHz to 914.9 MHz in steps of 200 kHz. In addition, there are eight 500 kHz wide uplink channels with an interval of 1.6 MHz in the range 903 MHz to 914.9 </a:t>
+              <a:t> defines 64, 125 kHz wide uplink channels from 902.3 MHz to 914.9 MHz in steps of 200 kHz. </a:t>
+            </a:r>
+          </a:p>
+          <a:p>
+            <a:pPr marL="285750" indent="-285750">
+              <a:lnSpc>
+                <a:spcPct val="150000"/>
+              </a:lnSpc>
+              <a:buClr>
+                <a:schemeClr val="tx1"/>
+              </a:buClr>
+              <a:buFont typeface="Arial" panose="020B0604020202020204" pitchFamily="34" charset="0"/>
+              <a:buChar char="•"/>
+            </a:pPr>
+            <a:r>
+              <a:rPr lang="en-US" dirty="0">
+                <a:solidFill>
+                  <a:schemeClr val="tx1"/>
+                </a:solidFill>
+              </a:rPr>
+              <a:t>In addition, there are eight 500 kHz wide uplink channels with an interval of 1.6 MHz in the range 903 MHz to 914.9 </a:t>
             </a:r>
             <a:r>
               <a:rPr lang="en-US" dirty="0" err="1">
@@ -57014,7 +57465,27 @@
                   <a:schemeClr val="tx1"/>
                 </a:solidFill>
               </a:rPr>
-              <a:t> The eight downlink channels are 500 kHz wide and are in the range 923.3 MHz to 927.5 MHz </a:t>
+              <a:t> </a:t>
+            </a:r>
+          </a:p>
+          <a:p>
+            <a:pPr marL="285750" indent="-285750">
+              <a:lnSpc>
+                <a:spcPct val="150000"/>
+              </a:lnSpc>
+              <a:buClr>
+                <a:schemeClr val="tx1"/>
+              </a:buClr>
+              <a:buFont typeface="Arial" panose="020B0604020202020204" pitchFamily="34" charset="0"/>
+              <a:buChar char="•"/>
+            </a:pPr>
+            <a:r>
+              <a:rPr lang="en-US" dirty="0">
+                <a:solidFill>
+                  <a:schemeClr val="tx1"/>
+                </a:solidFill>
+              </a:rPr>
+              <a:t>The eight downlink channels are 500 kHz wide and are in the range 923.3 MHz to 927.5 MHz </a:t>
             </a:r>
           </a:p>
         </p:txBody>
@@ -57102,17 +57573,17 @@
           <a:p>
             <a:r>
               <a:rPr lang="en-US" dirty="0"/>
-              <a:t>LoRa TX Frame</a:t>
+              <a:t>LoRa Spreading Factor</a:t>
             </a:r>
           </a:p>
         </p:txBody>
       </p:sp>
       <p:pic>
         <p:nvPicPr>
-          <p:cNvPr id="4" name="Picture 3">
+          <p:cNvPr id="5" name="Picture 4" descr="A graph showing a line&#10;&#10;Description automatically generated">
             <a:extLst>
               <a:ext uri="{FF2B5EF4-FFF2-40B4-BE49-F238E27FC236}">
-                <a16:creationId xmlns:a16="http://schemas.microsoft.com/office/drawing/2014/main" id="{3255054C-A2E2-2069-BD2E-C594A905DB5D}"/>
+                <a16:creationId xmlns:a16="http://schemas.microsoft.com/office/drawing/2014/main" id="{37D3F2BC-34EF-0285-A4A3-75092DEC6BE4}"/>
               </a:ext>
             </a:extLst>
           </p:cNvPr>
@@ -57122,21 +57593,223 @@
           <p:nvPr/>
         </p:nvPicPr>
         <p:blipFill>
-          <a:blip r:embed="rId2"/>
+          <a:blip r:embed="rId2">
+            <a:extLst>
+              <a:ext uri="{28A0092B-C50C-407E-A947-70E740481C1C}">
+                <a14:useLocalDpi xmlns:a14="http://schemas.microsoft.com/office/drawing/2010/main" val="0"/>
+              </a:ext>
+            </a:extLst>
+          </a:blip>
           <a:stretch>
             <a:fillRect/>
           </a:stretch>
         </p:blipFill>
         <p:spPr>
           <a:xfrm>
-            <a:off x="691375" y="1418132"/>
-            <a:ext cx="10809249" cy="5404625"/>
+            <a:off x="1487055" y="1356800"/>
+            <a:ext cx="8611791" cy="4560741"/>
           </a:xfrm>
           <a:prstGeom prst="rect">
             <a:avLst/>
           </a:prstGeom>
         </p:spPr>
       </p:pic>
+      <p:sp>
+        <p:nvSpPr>
+          <p:cNvPr id="6" name="TextBox 5">
+            <a:extLst>
+              <a:ext uri="{FF2B5EF4-FFF2-40B4-BE49-F238E27FC236}">
+                <a16:creationId xmlns:a16="http://schemas.microsoft.com/office/drawing/2014/main" id="{190BCC7F-6DA5-336D-3BD4-BB12F03EB914}"/>
+              </a:ext>
+            </a:extLst>
+          </p:cNvPr>
+          <p:cNvSpPr txBox="1"/>
+          <p:nvPr/>
+        </p:nvSpPr>
+        <p:spPr>
+          <a:xfrm>
+            <a:off x="7379855" y="6012872"/>
+            <a:ext cx="1010213" cy="307777"/>
+          </a:xfrm>
+          <a:prstGeom prst="rect">
+            <a:avLst/>
+          </a:prstGeom>
+          <a:noFill/>
+        </p:spPr>
+        <p:txBody>
+          <a:bodyPr wrap="none" rtlCol="0">
+            <a:spAutoFit/>
+          </a:bodyPr>
+          <a:lstStyle/>
+          <a:p>
+            <a:r>
+              <a:rPr lang="en-US" dirty="0">
+                <a:solidFill>
+                  <a:schemeClr val="tx1"/>
+                </a:solidFill>
+              </a:rPr>
+              <a:t>Less Error</a:t>
+            </a:r>
+          </a:p>
+        </p:txBody>
+      </p:sp>
+      <p:sp>
+        <p:nvSpPr>
+          <p:cNvPr id="7" name="TextBox 6">
+            <a:extLst>
+              <a:ext uri="{FF2B5EF4-FFF2-40B4-BE49-F238E27FC236}">
+                <a16:creationId xmlns:a16="http://schemas.microsoft.com/office/drawing/2014/main" id="{77B631ED-DD44-059F-DA52-8E3F8CB0FCE6}"/>
+              </a:ext>
+            </a:extLst>
+          </p:cNvPr>
+          <p:cNvSpPr txBox="1"/>
+          <p:nvPr/>
+        </p:nvSpPr>
+        <p:spPr>
+          <a:xfrm>
+            <a:off x="2110509" y="6012871"/>
+            <a:ext cx="1039067" cy="307777"/>
+          </a:xfrm>
+          <a:prstGeom prst="rect">
+            <a:avLst/>
+          </a:prstGeom>
+          <a:noFill/>
+        </p:spPr>
+        <p:txBody>
+          <a:bodyPr wrap="none" rtlCol="0">
+            <a:spAutoFit/>
+          </a:bodyPr>
+          <a:lstStyle/>
+          <a:p>
+            <a:r>
+              <a:rPr lang="en-US" dirty="0">
+                <a:solidFill>
+                  <a:schemeClr val="tx1"/>
+                </a:solidFill>
+              </a:rPr>
+              <a:t>More Error</a:t>
+            </a:r>
+          </a:p>
+        </p:txBody>
+      </p:sp>
+      <p:sp>
+        <p:nvSpPr>
+          <p:cNvPr id="8" name="TextBox 7">
+            <a:extLst>
+              <a:ext uri="{FF2B5EF4-FFF2-40B4-BE49-F238E27FC236}">
+                <a16:creationId xmlns:a16="http://schemas.microsoft.com/office/drawing/2014/main" id="{0F137C67-9F27-6E70-C727-6DEFFE426516}"/>
+              </a:ext>
+            </a:extLst>
+          </p:cNvPr>
+          <p:cNvSpPr txBox="1"/>
+          <p:nvPr/>
+        </p:nvSpPr>
+        <p:spPr>
+          <a:xfrm>
+            <a:off x="2115133" y="6294577"/>
+            <a:ext cx="1476686" cy="307777"/>
+          </a:xfrm>
+          <a:prstGeom prst="rect">
+            <a:avLst/>
+          </a:prstGeom>
+          <a:noFill/>
+        </p:spPr>
+        <p:txBody>
+          <a:bodyPr wrap="none" rtlCol="0">
+            <a:spAutoFit/>
+          </a:bodyPr>
+          <a:lstStyle/>
+          <a:p>
+            <a:r>
+              <a:rPr lang="en-US" dirty="0">
+                <a:solidFill>
+                  <a:schemeClr val="tx1"/>
+                </a:solidFill>
+              </a:rPr>
+              <a:t>Faster Data rate</a:t>
+            </a:r>
+          </a:p>
+        </p:txBody>
+      </p:sp>
+      <p:sp>
+        <p:nvSpPr>
+          <p:cNvPr id="9" name="TextBox 8">
+            <a:extLst>
+              <a:ext uri="{FF2B5EF4-FFF2-40B4-BE49-F238E27FC236}">
+                <a16:creationId xmlns:a16="http://schemas.microsoft.com/office/drawing/2014/main" id="{8692A574-66EC-B55B-8E15-1F19EFEDB166}"/>
+              </a:ext>
+            </a:extLst>
+          </p:cNvPr>
+          <p:cNvSpPr txBox="1"/>
+          <p:nvPr/>
+        </p:nvSpPr>
+        <p:spPr>
+          <a:xfrm>
+            <a:off x="7356781" y="6289959"/>
+            <a:ext cx="1518364" cy="307777"/>
+          </a:xfrm>
+          <a:prstGeom prst="rect">
+            <a:avLst/>
+          </a:prstGeom>
+          <a:noFill/>
+        </p:spPr>
+        <p:txBody>
+          <a:bodyPr wrap="none" rtlCol="0">
+            <a:spAutoFit/>
+          </a:bodyPr>
+          <a:lstStyle/>
+          <a:p>
+            <a:r>
+              <a:rPr lang="en-US" dirty="0">
+                <a:solidFill>
+                  <a:schemeClr val="tx1"/>
+                </a:solidFill>
+              </a:rPr>
+              <a:t>Slower Data rate</a:t>
+            </a:r>
+          </a:p>
+        </p:txBody>
+      </p:sp>
+      <p:cxnSp>
+        <p:nvCxnSpPr>
+          <p:cNvPr id="11" name="Straight Arrow Connector 10">
+            <a:extLst>
+              <a:ext uri="{FF2B5EF4-FFF2-40B4-BE49-F238E27FC236}">
+                <a16:creationId xmlns:a16="http://schemas.microsoft.com/office/drawing/2014/main" id="{A9528F52-0894-C9BB-3EEF-3D507BB115BB}"/>
+              </a:ext>
+            </a:extLst>
+          </p:cNvPr>
+          <p:cNvCxnSpPr/>
+          <p:nvPr/>
+        </p:nvCxnSpPr>
+        <p:spPr>
+          <a:xfrm>
+            <a:off x="3777673" y="6289959"/>
+            <a:ext cx="3579108" cy="0"/>
+          </a:xfrm>
+          <a:prstGeom prst="straightConnector1">
+            <a:avLst/>
+          </a:prstGeom>
+          <a:ln>
+            <a:headEnd type="triangle"/>
+            <a:tailEnd type="triangle"/>
+          </a:ln>
+        </p:spPr>
+        <p:style>
+          <a:lnRef idx="1">
+            <a:schemeClr val="accent1"/>
+          </a:lnRef>
+          <a:fillRef idx="0">
+            <a:schemeClr val="accent1"/>
+          </a:fillRef>
+          <a:effectRef idx="0">
+            <a:schemeClr val="accent1"/>
+          </a:effectRef>
+          <a:fontRef idx="minor">
+            <a:schemeClr val="tx1"/>
+          </a:fontRef>
+        </p:style>
+      </p:cxnSp>
     </p:spTree>
     <p:extLst>
       <p:ext uri="{BB962C8B-B14F-4D97-AF65-F5344CB8AC3E}">

--- a/Lora.pptx
+++ b/Lora.pptx
@@ -5,7 +5,7 @@
     <p:sldMasterId id="2147483660" r:id="rId1"/>
   </p:sldMasterIdLst>
   <p:notesMasterIdLst>
-    <p:notesMasterId r:id="rId21"/>
+    <p:notesMasterId r:id="rId22"/>
   </p:notesMasterIdLst>
   <p:sldIdLst>
     <p:sldId id="256" r:id="rId2"/>
@@ -23,10 +23,11 @@
     <p:sldId id="274" r:id="rId14"/>
     <p:sldId id="271" r:id="rId15"/>
     <p:sldId id="285" r:id="rId16"/>
-    <p:sldId id="272" r:id="rId17"/>
-    <p:sldId id="270" r:id="rId18"/>
-    <p:sldId id="301" r:id="rId19"/>
-    <p:sldId id="299" r:id="rId20"/>
+    <p:sldId id="303" r:id="rId17"/>
+    <p:sldId id="272" r:id="rId18"/>
+    <p:sldId id="270" r:id="rId19"/>
+    <p:sldId id="301" r:id="rId20"/>
+    <p:sldId id="299" r:id="rId21"/>
   </p:sldIdLst>
   <p:sldSz cx="12192000" cy="6858000"/>
   <p:notesSz cx="6858000" cy="9144000"/>
@@ -686,7 +687,7 @@
           <a:p>
             <a:fld id="{E2AD5357-5491-40AE-B921-8877855AD794}" type="datetimeFigureOut">
               <a:rPr lang="en-US" smtClean="0"/>
-              <a:t>10/16/2024</a:t>
+              <a:t>10/18/2024</a:t>
             </a:fld>
             <a:endParaRPr lang="en-US"/>
           </a:p>
@@ -54383,13 +54384,8 @@
           <a:p>
             <a:r>
               <a:rPr lang="en-US" dirty="0"/>
-              <a:t>Open </a:t>
+              <a:t>Arduino Library for LoRa</a:t>
             </a:r>
-            <a:r>
-              <a:rPr lang="en-US" dirty="0" err="1"/>
-              <a:t>LoRa_TX.ino</a:t>
-            </a:r>
-            <a:endParaRPr lang="en-US" dirty="0"/>
           </a:p>
         </p:txBody>
       </p:sp>
@@ -54415,38 +54411,8 @@
         </p:blipFill>
         <p:spPr>
           <a:xfrm>
-            <a:off x="380366" y="3548386"/>
-            <a:ext cx="4870370" cy="2366024"/>
-          </a:xfrm>
-          <a:prstGeom prst="rect">
-            <a:avLst/>
-          </a:prstGeom>
-        </p:spPr>
-      </p:pic>
-      <p:pic>
-        <p:nvPicPr>
-          <p:cNvPr id="9" name="Picture 8">
-            <a:extLst>
-              <a:ext uri="{FF2B5EF4-FFF2-40B4-BE49-F238E27FC236}">
-                <a16:creationId xmlns:a16="http://schemas.microsoft.com/office/drawing/2014/main" id="{A1FEAD0D-27B6-D3B3-1725-E1EF45F26BAD}"/>
-              </a:ext>
-            </a:extLst>
-          </p:cNvPr>
-          <p:cNvPicPr>
-            <a:picLocks noChangeAspect="1"/>
-          </p:cNvPicPr>
-          <p:nvPr/>
-        </p:nvPicPr>
-        <p:blipFill>
-          <a:blip r:embed="rId3"/>
-          <a:stretch>
-            <a:fillRect/>
-          </a:stretch>
-        </p:blipFill>
-        <p:spPr>
-          <a:xfrm>
-            <a:off x="6364208" y="3796145"/>
-            <a:ext cx="5075243" cy="2857174"/>
+            <a:off x="334183" y="2901260"/>
+            <a:ext cx="5588561" cy="2714921"/>
           </a:xfrm>
           <a:prstGeom prst="rect">
             <a:avLst/>
@@ -54468,7 +54434,7 @@
         <p:spPr>
           <a:xfrm>
             <a:off x="2174600" y="1801091"/>
-            <a:ext cx="8379217" cy="1384995"/>
+            <a:ext cx="6800260" cy="954107"/>
           </a:xfrm>
           <a:prstGeom prst="rect">
             <a:avLst/>
@@ -54524,7 +54490,7 @@
                   <a:schemeClr val="tx1"/>
                 </a:solidFill>
               </a:rPr>
-              <a:t>You will need to install 3 different libraries that you downloaded and extracted from </a:t>
+              <a:t>You will need to install a library that you downloaded and extracted from </a:t>
             </a:r>
             <a:r>
               <a:rPr lang="en-US" dirty="0" err="1">
@@ -54574,7 +54540,141 @@
                   <a:schemeClr val="tx1"/>
                 </a:solidFill>
               </a:rPr>
-              <a:t>Open Adafruit_AM2320-master.zip and click OK</a:t>
+              <a:t>Select Arduino-LoRa-master.ZIP</a:t>
+            </a:r>
+          </a:p>
+        </p:txBody>
+      </p:sp>
+      <p:pic>
+        <p:nvPicPr>
+          <p:cNvPr id="4" name="Picture 3">
+            <a:extLst>
+              <a:ext uri="{FF2B5EF4-FFF2-40B4-BE49-F238E27FC236}">
+                <a16:creationId xmlns:a16="http://schemas.microsoft.com/office/drawing/2014/main" id="{CA26E7D7-7274-02B4-F17D-60373A8BFD08}"/>
+              </a:ext>
+            </a:extLst>
+          </p:cNvPr>
+          <p:cNvPicPr>
+            <a:picLocks noChangeAspect="1"/>
+          </p:cNvPicPr>
+          <p:nvPr/>
+        </p:nvPicPr>
+        <p:blipFill>
+          <a:blip r:embed="rId3"/>
+          <a:stretch>
+            <a:fillRect/>
+          </a:stretch>
+        </p:blipFill>
+        <p:spPr>
+          <a:xfrm>
+            <a:off x="6008117" y="2901260"/>
+            <a:ext cx="5364876" cy="3013150"/>
+          </a:xfrm>
+          <a:prstGeom prst="rect">
+            <a:avLst/>
+          </a:prstGeom>
+        </p:spPr>
+      </p:pic>
+    </p:spTree>
+    <p:extLst>
+      <p:ext uri="{BB962C8B-B14F-4D97-AF65-F5344CB8AC3E}">
+        <p14:creationId xmlns:p14="http://schemas.microsoft.com/office/powerpoint/2010/main" val="1600244322"/>
+      </p:ext>
+    </p:extLst>
+  </p:cSld>
+  <p:clrMapOvr>
+    <a:masterClrMapping/>
+  </p:clrMapOvr>
+</p:sld>
+</file>
+
+<file path=ppt/slides/slide16.xml><?xml version="1.0" encoding="utf-8"?>
+<p:sld xmlns:a="http://schemas.openxmlformats.org/drawingml/2006/main" xmlns:r="http://schemas.openxmlformats.org/officeDocument/2006/relationships" xmlns:p="http://schemas.openxmlformats.org/presentationml/2006/main">
+  <p:cSld>
+    <p:spTree>
+      <p:nvGrpSpPr>
+        <p:cNvPr id="1" name=""/>
+        <p:cNvGrpSpPr/>
+        <p:nvPr/>
+      </p:nvGrpSpPr>
+      <p:grpSpPr>
+        <a:xfrm>
+          <a:off x="0" y="0"/>
+          <a:ext cx="0" cy="0"/>
+          <a:chOff x="0" y="0"/>
+          <a:chExt cx="0" cy="0"/>
+        </a:xfrm>
+      </p:grpSpPr>
+      <p:sp>
+        <p:nvSpPr>
+          <p:cNvPr id="2" name="Title 1">
+            <a:extLst>
+              <a:ext uri="{FF2B5EF4-FFF2-40B4-BE49-F238E27FC236}">
+                <a16:creationId xmlns:a16="http://schemas.microsoft.com/office/drawing/2014/main" id="{4675A003-E534-4CDF-A01F-5FE3DE7F5E4F}"/>
+              </a:ext>
+            </a:extLst>
+          </p:cNvPr>
+          <p:cNvSpPr>
+            <a:spLocks noGrp="1"/>
+          </p:cNvSpPr>
+          <p:nvPr>
+            <p:ph type="title"/>
+          </p:nvPr>
+        </p:nvSpPr>
+        <p:spPr/>
+        <p:txBody>
+          <a:bodyPr/>
+          <a:lstStyle/>
+          <a:p>
+            <a:r>
+              <a:rPr lang="en-US" dirty="0"/>
+              <a:t>Arduino Library for DHT-11</a:t>
+            </a:r>
+          </a:p>
+        </p:txBody>
+      </p:sp>
+      <p:sp>
+        <p:nvSpPr>
+          <p:cNvPr id="10" name="TextBox 9">
+            <a:extLst>
+              <a:ext uri="{FF2B5EF4-FFF2-40B4-BE49-F238E27FC236}">
+                <a16:creationId xmlns:a16="http://schemas.microsoft.com/office/drawing/2014/main" id="{3C1C83A7-15A0-F981-D702-A0628900D55A}"/>
+              </a:ext>
+            </a:extLst>
+          </p:cNvPr>
+          <p:cNvSpPr txBox="1"/>
+          <p:nvPr/>
+        </p:nvSpPr>
+        <p:spPr>
+          <a:xfrm>
+            <a:off x="2174600" y="1418824"/>
+            <a:ext cx="7842800" cy="1169551"/>
+          </a:xfrm>
+          <a:prstGeom prst="rect">
+            <a:avLst/>
+          </a:prstGeom>
+          <a:noFill/>
+        </p:spPr>
+        <p:txBody>
+          <a:bodyPr wrap="square" rtlCol="0">
+            <a:spAutoFit/>
+          </a:bodyPr>
+          <a:lstStyle/>
+          <a:p>
+            <a:pPr marL="285750" indent="-285750">
+              <a:buClr>
+                <a:schemeClr val="tx1"/>
+              </a:buClr>
+              <a:buFont typeface="Arial" panose="020B0604020202020204" pitchFamily="34" charset="0"/>
+              <a:buChar char="•"/>
+            </a:pPr>
+            <a:r>
+              <a:rPr lang="en-US" dirty="0">
+                <a:solidFill>
+                  <a:schemeClr val="tx1"/>
+                </a:solidFill>
+              </a:rPr>
+              <a:t>You will need to install a library from the library manager called DHT Sensor.</a:t>
             </a:r>
           </a:p>
           <a:p>
@@ -54591,7 +54691,23 @@
                   <a:schemeClr val="tx1"/>
                 </a:solidFill>
               </a:rPr>
-              <a:t>Repeat this for the other two libraries: Arduino-LoRa-master.ZIP and DHT-sensor-library-master.ZIP</a:t>
+              <a:t>Open the Library manager (1), then type </a:t>
+            </a:r>
+            <a:r>
+              <a:rPr lang="en-US" dirty="0" err="1">
+                <a:solidFill>
+                  <a:schemeClr val="tx1"/>
+                </a:solidFill>
+              </a:rPr>
+              <a:t>dht</a:t>
+            </a:r>
+            <a:r>
+              <a:rPr lang="en-US" dirty="0">
+                <a:solidFill>
+                  <a:schemeClr val="tx1"/>
+                </a:solidFill>
+              </a:rPr>
+              <a:t> sensor (2) scroll down to find DHT sensor library by Adafruit and click install.</a:t>
             </a:r>
           </a:p>
           <a:p>
@@ -54608,7 +54724,398 @@
                   <a:schemeClr val="tx1"/>
                 </a:solidFill>
               </a:rPr>
-              <a:t>Upload this to your Arduino Nano and open the serial monitor to check for errors.</a:t>
+              <a:t>Be sure to select INSTALL ALL. This will install libraries that make the DHT-11 sensor work properly.</a:t>
+            </a:r>
+          </a:p>
+        </p:txBody>
+      </p:sp>
+      <p:pic>
+        <p:nvPicPr>
+          <p:cNvPr id="6" name="Picture 5" descr="A screenshot of a device&#10;&#10;Description automatically generated">
+            <a:extLst>
+              <a:ext uri="{FF2B5EF4-FFF2-40B4-BE49-F238E27FC236}">
+                <a16:creationId xmlns:a16="http://schemas.microsoft.com/office/drawing/2014/main" id="{B47F57D3-E165-2045-F790-B25D70B75A0E}"/>
+              </a:ext>
+            </a:extLst>
+          </p:cNvPr>
+          <p:cNvPicPr>
+            <a:picLocks noChangeAspect="1"/>
+          </p:cNvPicPr>
+          <p:nvPr/>
+        </p:nvPicPr>
+        <p:blipFill>
+          <a:blip r:embed="rId2">
+            <a:extLst>
+              <a:ext uri="{28A0092B-C50C-407E-A947-70E740481C1C}">
+                <a14:useLocalDpi xmlns:a14="http://schemas.microsoft.com/office/drawing/2010/main" val="0"/>
+              </a:ext>
+            </a:extLst>
+          </a:blip>
+          <a:stretch>
+            <a:fillRect/>
+          </a:stretch>
+        </p:blipFill>
+        <p:spPr>
+          <a:xfrm>
+            <a:off x="1115436" y="2632363"/>
+            <a:ext cx="2542328" cy="4066339"/>
+          </a:xfrm>
+          <a:prstGeom prst="rect">
+            <a:avLst/>
+          </a:prstGeom>
+        </p:spPr>
+      </p:pic>
+      <p:pic>
+        <p:nvPicPr>
+          <p:cNvPr id="8" name="Picture 7" descr="A screenshot of a computer&#10;&#10;Description automatically generated">
+            <a:extLst>
+              <a:ext uri="{FF2B5EF4-FFF2-40B4-BE49-F238E27FC236}">
+                <a16:creationId xmlns:a16="http://schemas.microsoft.com/office/drawing/2014/main" id="{578B7B4C-33BD-8BF2-F389-E9A7CD1D593E}"/>
+              </a:ext>
+            </a:extLst>
+          </p:cNvPr>
+          <p:cNvPicPr>
+            <a:picLocks noChangeAspect="1"/>
+          </p:cNvPicPr>
+          <p:nvPr/>
+        </p:nvPicPr>
+        <p:blipFill>
+          <a:blip r:embed="rId3">
+            <a:extLst>
+              <a:ext uri="{28A0092B-C50C-407E-A947-70E740481C1C}">
+                <a14:useLocalDpi xmlns:a14="http://schemas.microsoft.com/office/drawing/2010/main" val="0"/>
+              </a:ext>
+            </a:extLst>
+          </a:blip>
+          <a:stretch>
+            <a:fillRect/>
+          </a:stretch>
+        </p:blipFill>
+        <p:spPr>
+          <a:xfrm>
+            <a:off x="4375005" y="3140075"/>
+            <a:ext cx="5381625" cy="2000250"/>
+          </a:xfrm>
+          <a:prstGeom prst="rect">
+            <a:avLst/>
+          </a:prstGeom>
+        </p:spPr>
+      </p:pic>
+      <p:sp>
+        <p:nvSpPr>
+          <p:cNvPr id="9" name="Arrow: Left 8">
+            <a:extLst>
+              <a:ext uri="{FF2B5EF4-FFF2-40B4-BE49-F238E27FC236}">
+                <a16:creationId xmlns:a16="http://schemas.microsoft.com/office/drawing/2014/main" id="{4ED29C66-2866-6A11-DAF9-3A5BA3CF9ADE}"/>
+              </a:ext>
+            </a:extLst>
+          </p:cNvPr>
+          <p:cNvSpPr/>
+          <p:nvPr/>
+        </p:nvSpPr>
+        <p:spPr>
+          <a:xfrm rot="20199390">
+            <a:off x="2108185" y="3057954"/>
+            <a:ext cx="1704930" cy="275308"/>
+          </a:xfrm>
+          <a:prstGeom prst="leftArrow">
+            <a:avLst/>
+          </a:prstGeom>
+          <a:solidFill>
+            <a:srgbClr val="FF0000"/>
+          </a:solidFill>
+          <a:ln>
+            <a:solidFill>
+              <a:srgbClr val="FF0000"/>
+            </a:solidFill>
+          </a:ln>
+        </p:spPr>
+        <p:style>
+          <a:lnRef idx="2">
+            <a:schemeClr val="accent1">
+              <a:shade val="15000"/>
+            </a:schemeClr>
+          </a:lnRef>
+          <a:fillRef idx="1">
+            <a:schemeClr val="accent1"/>
+          </a:fillRef>
+          <a:effectRef idx="0">
+            <a:schemeClr val="accent1"/>
+          </a:effectRef>
+          <a:fontRef idx="minor">
+            <a:schemeClr val="lt1"/>
+          </a:fontRef>
+        </p:style>
+        <p:txBody>
+          <a:bodyPr rtlCol="0" anchor="ctr"/>
+          <a:lstStyle/>
+          <a:p>
+            <a:pPr algn="ctr"/>
+            <a:endParaRPr lang="en-US"/>
+          </a:p>
+        </p:txBody>
+      </p:sp>
+      <p:sp>
+        <p:nvSpPr>
+          <p:cNvPr id="11" name="Arrow: Left 10">
+            <a:extLst>
+              <a:ext uri="{FF2B5EF4-FFF2-40B4-BE49-F238E27FC236}">
+                <a16:creationId xmlns:a16="http://schemas.microsoft.com/office/drawing/2014/main" id="{220853F5-D615-72D1-54A0-FA8830FA5B73}"/>
+              </a:ext>
+            </a:extLst>
+          </p:cNvPr>
+          <p:cNvSpPr/>
+          <p:nvPr/>
+        </p:nvSpPr>
+        <p:spPr>
+          <a:xfrm rot="13507319">
+            <a:off x="128981" y="3522125"/>
+            <a:ext cx="1255670" cy="275308"/>
+          </a:xfrm>
+          <a:prstGeom prst="leftArrow">
+            <a:avLst/>
+          </a:prstGeom>
+          <a:solidFill>
+            <a:srgbClr val="FF0000"/>
+          </a:solidFill>
+          <a:ln>
+            <a:solidFill>
+              <a:srgbClr val="FF0000"/>
+            </a:solidFill>
+          </a:ln>
+        </p:spPr>
+        <p:style>
+          <a:lnRef idx="2">
+            <a:schemeClr val="accent1">
+              <a:shade val="15000"/>
+            </a:schemeClr>
+          </a:lnRef>
+          <a:fillRef idx="1">
+            <a:schemeClr val="accent1"/>
+          </a:fillRef>
+          <a:effectRef idx="0">
+            <a:schemeClr val="accent1"/>
+          </a:effectRef>
+          <a:fontRef idx="minor">
+            <a:schemeClr val="lt1"/>
+          </a:fontRef>
+        </p:style>
+        <p:txBody>
+          <a:bodyPr rtlCol="0" anchor="ctr"/>
+          <a:lstStyle/>
+          <a:p>
+            <a:pPr algn="ctr"/>
+            <a:endParaRPr lang="en-US"/>
+          </a:p>
+        </p:txBody>
+      </p:sp>
+      <p:sp>
+        <p:nvSpPr>
+          <p:cNvPr id="12" name="Arrow: Left 11">
+            <a:extLst>
+              <a:ext uri="{FF2B5EF4-FFF2-40B4-BE49-F238E27FC236}">
+                <a16:creationId xmlns:a16="http://schemas.microsoft.com/office/drawing/2014/main" id="{EEF56499-60C0-B38B-0DBE-324C490407D6}"/>
+              </a:ext>
+            </a:extLst>
+          </p:cNvPr>
+          <p:cNvSpPr/>
+          <p:nvPr/>
+        </p:nvSpPr>
+        <p:spPr>
+          <a:xfrm rot="20199390">
+            <a:off x="9256934" y="4152717"/>
+            <a:ext cx="1255670" cy="275308"/>
+          </a:xfrm>
+          <a:prstGeom prst="leftArrow">
+            <a:avLst/>
+          </a:prstGeom>
+          <a:solidFill>
+            <a:srgbClr val="FF0000"/>
+          </a:solidFill>
+          <a:ln>
+            <a:solidFill>
+              <a:srgbClr val="FF0000"/>
+            </a:solidFill>
+          </a:ln>
+        </p:spPr>
+        <p:style>
+          <a:lnRef idx="2">
+            <a:schemeClr val="accent1">
+              <a:shade val="15000"/>
+            </a:schemeClr>
+          </a:lnRef>
+          <a:fillRef idx="1">
+            <a:schemeClr val="accent1"/>
+          </a:fillRef>
+          <a:effectRef idx="0">
+            <a:schemeClr val="accent1"/>
+          </a:effectRef>
+          <a:fontRef idx="minor">
+            <a:schemeClr val="lt1"/>
+          </a:fontRef>
+        </p:style>
+        <p:txBody>
+          <a:bodyPr rtlCol="0" anchor="ctr"/>
+          <a:lstStyle/>
+          <a:p>
+            <a:pPr algn="ctr"/>
+            <a:endParaRPr lang="en-US"/>
+          </a:p>
+        </p:txBody>
+      </p:sp>
+      <p:sp>
+        <p:nvSpPr>
+          <p:cNvPr id="13" name="Rectangle 12">
+            <a:extLst>
+              <a:ext uri="{FF2B5EF4-FFF2-40B4-BE49-F238E27FC236}">
+                <a16:creationId xmlns:a16="http://schemas.microsoft.com/office/drawing/2014/main" id="{A6784345-797E-BB20-9618-C40F9D0A93EB}"/>
+              </a:ext>
+            </a:extLst>
+          </p:cNvPr>
+          <p:cNvSpPr/>
+          <p:nvPr/>
+        </p:nvSpPr>
+        <p:spPr>
+          <a:xfrm>
+            <a:off x="42058" y="2305838"/>
+            <a:ext cx="569387" cy="923330"/>
+          </a:xfrm>
+          <a:prstGeom prst="rect">
+            <a:avLst/>
+          </a:prstGeom>
+          <a:noFill/>
+        </p:spPr>
+        <p:txBody>
+          <a:bodyPr wrap="none" lIns="91440" tIns="45720" rIns="91440" bIns="45720">
+            <a:spAutoFit/>
+          </a:bodyPr>
+          <a:lstStyle/>
+          <a:p>
+            <a:pPr algn="ctr"/>
+            <a:r>
+              <a:rPr lang="en-US" sz="5400" b="0" cap="none" spc="0" dirty="0">
+                <a:ln w="0"/>
+                <a:solidFill>
+                  <a:schemeClr val="tx1"/>
+                </a:solidFill>
+                <a:effectLst>
+                  <a:outerShdw blurRad="38100" dist="25400" dir="5400000" algn="ctr" rotWithShape="0">
+                    <a:srgbClr val="6E747A">
+                      <a:alpha val="43000"/>
+                    </a:srgbClr>
+                  </a:outerShdw>
+                </a:effectLst>
+              </a:rPr>
+              <a:t>1</a:t>
+            </a:r>
+          </a:p>
+        </p:txBody>
+      </p:sp>
+      <p:sp>
+        <p:nvSpPr>
+          <p:cNvPr id="14" name="Rectangle 13">
+            <a:extLst>
+              <a:ext uri="{FF2B5EF4-FFF2-40B4-BE49-F238E27FC236}">
+                <a16:creationId xmlns:a16="http://schemas.microsoft.com/office/drawing/2014/main" id="{50DD5589-4742-467C-5512-72F7EEDD3E1F}"/>
+              </a:ext>
+            </a:extLst>
+          </p:cNvPr>
+          <p:cNvSpPr/>
+          <p:nvPr/>
+        </p:nvSpPr>
+        <p:spPr>
+          <a:xfrm>
+            <a:off x="3753660" y="2305838"/>
+            <a:ext cx="569388" cy="923330"/>
+          </a:xfrm>
+          <a:prstGeom prst="rect">
+            <a:avLst/>
+          </a:prstGeom>
+          <a:noFill/>
+        </p:spPr>
+        <p:txBody>
+          <a:bodyPr wrap="none" lIns="91440" tIns="45720" rIns="91440" bIns="45720">
+            <a:spAutoFit/>
+          </a:bodyPr>
+          <a:lstStyle/>
+          <a:p>
+            <a:pPr algn="ctr"/>
+            <a:r>
+              <a:rPr lang="en-US" sz="5400" dirty="0">
+                <a:ln w="0"/>
+                <a:solidFill>
+                  <a:schemeClr val="tx1"/>
+                </a:solidFill>
+                <a:effectLst>
+                  <a:outerShdw blurRad="38100" dist="25400" dir="5400000" algn="ctr" rotWithShape="0">
+                    <a:srgbClr val="6E747A">
+                      <a:alpha val="43000"/>
+                    </a:srgbClr>
+                  </a:outerShdw>
+                </a:effectLst>
+              </a:rPr>
+              <a:t>2</a:t>
+            </a:r>
+            <a:endParaRPr lang="en-US" sz="5400" b="0" cap="none" spc="0" dirty="0">
+              <a:ln w="0"/>
+              <a:solidFill>
+                <a:schemeClr val="tx1"/>
+              </a:solidFill>
+              <a:effectLst>
+                <a:outerShdw blurRad="38100" dist="25400" dir="5400000" algn="ctr" rotWithShape="0">
+                  <a:srgbClr val="6E747A">
+                    <a:alpha val="43000"/>
+                  </a:srgbClr>
+                </a:outerShdw>
+              </a:effectLst>
+            </a:endParaRPr>
+          </a:p>
+        </p:txBody>
+      </p:sp>
+      <p:sp>
+        <p:nvSpPr>
+          <p:cNvPr id="15" name="Rectangle 14">
+            <a:extLst>
+              <a:ext uri="{FF2B5EF4-FFF2-40B4-BE49-F238E27FC236}">
+                <a16:creationId xmlns:a16="http://schemas.microsoft.com/office/drawing/2014/main" id="{71C879F4-A753-2576-FC51-5263A07EAE8B}"/>
+              </a:ext>
+            </a:extLst>
+          </p:cNvPr>
+          <p:cNvSpPr/>
+          <p:nvPr/>
+        </p:nvSpPr>
+        <p:spPr>
+          <a:xfrm>
+            <a:off x="10569847" y="3275063"/>
+            <a:ext cx="569388" cy="923330"/>
+          </a:xfrm>
+          <a:prstGeom prst="rect">
+            <a:avLst/>
+          </a:prstGeom>
+          <a:noFill/>
+        </p:spPr>
+        <p:txBody>
+          <a:bodyPr wrap="none" lIns="91440" tIns="45720" rIns="91440" bIns="45720">
+            <a:spAutoFit/>
+          </a:bodyPr>
+          <a:lstStyle/>
+          <a:p>
+            <a:pPr algn="ctr"/>
+            <a:r>
+              <a:rPr lang="en-US" sz="5400" b="0" cap="none" spc="0" dirty="0">
+                <a:ln w="0"/>
+                <a:solidFill>
+                  <a:schemeClr val="tx1"/>
+                </a:solidFill>
+                <a:effectLst>
+                  <a:outerShdw blurRad="38100" dist="25400" dir="5400000" algn="ctr" rotWithShape="0">
+                    <a:srgbClr val="6E747A">
+                      <a:alpha val="43000"/>
+                    </a:srgbClr>
+                  </a:outerShdw>
+                </a:effectLst>
+              </a:rPr>
+              <a:t>3</a:t>
             </a:r>
           </a:p>
         </p:txBody>
@@ -54616,7 +55123,7 @@
     </p:spTree>
     <p:extLst>
       <p:ext uri="{BB962C8B-B14F-4D97-AF65-F5344CB8AC3E}">
-        <p14:creationId xmlns:p14="http://schemas.microsoft.com/office/powerpoint/2010/main" val="1600244322"/>
+        <p14:creationId xmlns:p14="http://schemas.microsoft.com/office/powerpoint/2010/main" val="499400804"/>
       </p:ext>
     </p:extLst>
   </p:cSld>
@@ -54626,7 +55133,7 @@
 </p:sld>
 </file>
 
-<file path=ppt/slides/slide16.xml><?xml version="1.0" encoding="utf-8"?>
+<file path=ppt/slides/slide17.xml><?xml version="1.0" encoding="utf-8"?>
 <p:sld xmlns:a="http://schemas.openxmlformats.org/drawingml/2006/main" xmlns:r="http://schemas.openxmlformats.org/officeDocument/2006/relationships" xmlns:p="http://schemas.openxmlformats.org/presentationml/2006/main">
   <p:cSld>
     <p:spTree>
@@ -55062,7 +55569,7 @@
 </p:sld>
 </file>
 
-<file path=ppt/slides/slide17.xml><?xml version="1.0" encoding="utf-8"?>
+<file path=ppt/slides/slide18.xml><?xml version="1.0" encoding="utf-8"?>
 <p:sld xmlns:a="http://schemas.openxmlformats.org/drawingml/2006/main" xmlns:r="http://schemas.openxmlformats.org/officeDocument/2006/relationships" xmlns:p="http://schemas.openxmlformats.org/presentationml/2006/main">
   <p:cSld>
     <p:spTree>
@@ -55183,7 +55690,7 @@
 </p:sld>
 </file>
 
-<file path=ppt/slides/slide18.xml><?xml version="1.0" encoding="utf-8"?>
+<file path=ppt/slides/slide19.xml><?xml version="1.0" encoding="utf-8"?>
 <p:sld xmlns:a="http://schemas.openxmlformats.org/drawingml/2006/main" xmlns:r="http://schemas.openxmlformats.org/officeDocument/2006/relationships" xmlns:p="http://schemas.openxmlformats.org/presentationml/2006/main">
   <p:cSld>
     <p:spTree>
@@ -55322,7 +55829,400 @@
 </p:sld>
 </file>
 
-<file path=ppt/slides/slide19.xml><?xml version="1.0" encoding="utf-8"?>
+<file path=ppt/slides/slide2.xml><?xml version="1.0" encoding="utf-8"?>
+<p:sld xmlns:a="http://schemas.openxmlformats.org/drawingml/2006/main" xmlns:r="http://schemas.openxmlformats.org/officeDocument/2006/relationships" xmlns:p="http://schemas.openxmlformats.org/presentationml/2006/main">
+  <p:cSld>
+    <p:spTree>
+      <p:nvGrpSpPr>
+        <p:cNvPr id="1" name=""/>
+        <p:cNvGrpSpPr/>
+        <p:nvPr/>
+      </p:nvGrpSpPr>
+      <p:grpSpPr>
+        <a:xfrm>
+          <a:off x="0" y="0"/>
+          <a:ext cx="0" cy="0"/>
+          <a:chOff x="0" y="0"/>
+          <a:chExt cx="0" cy="0"/>
+        </a:xfrm>
+      </p:grpSpPr>
+      <p:sp>
+        <p:nvSpPr>
+          <p:cNvPr id="2" name="Title 1">
+            <a:extLst>
+              <a:ext uri="{FF2B5EF4-FFF2-40B4-BE49-F238E27FC236}">
+                <a16:creationId xmlns:a16="http://schemas.microsoft.com/office/drawing/2014/main" id="{8012A6D0-56EB-49EE-AC70-0F1B9B2EDA30}"/>
+              </a:ext>
+            </a:extLst>
+          </p:cNvPr>
+          <p:cNvSpPr>
+            <a:spLocks noGrp="1"/>
+          </p:cNvSpPr>
+          <p:nvPr>
+            <p:ph type="title"/>
+          </p:nvPr>
+        </p:nvSpPr>
+        <p:spPr>
+          <a:xfrm>
+            <a:off x="2361563" y="1830189"/>
+            <a:ext cx="7468875" cy="822400"/>
+          </a:xfrm>
+        </p:spPr>
+        <p:txBody>
+          <a:bodyPr/>
+          <a:lstStyle/>
+          <a:p>
+            <a:r>
+              <a:rPr lang="en-US" dirty="0"/>
+              <a:t>PowerPoint and Code</a:t>
+            </a:r>
+          </a:p>
+        </p:txBody>
+      </p:sp>
+      <p:sp>
+        <p:nvSpPr>
+          <p:cNvPr id="4" name="Subtitle 3">
+            <a:extLst>
+              <a:ext uri="{FF2B5EF4-FFF2-40B4-BE49-F238E27FC236}">
+                <a16:creationId xmlns:a16="http://schemas.microsoft.com/office/drawing/2014/main" id="{FCE4C0B2-E775-4300-9C1C-B204E2F812E0}"/>
+              </a:ext>
+            </a:extLst>
+          </p:cNvPr>
+          <p:cNvSpPr>
+            <a:spLocks noGrp="1"/>
+          </p:cNvSpPr>
+          <p:nvPr>
+            <p:ph type="subTitle" idx="1"/>
+          </p:nvPr>
+        </p:nvSpPr>
+        <p:spPr>
+          <a:xfrm>
+            <a:off x="3097951" y="2891671"/>
+            <a:ext cx="5500800" cy="559600"/>
+          </a:xfrm>
+        </p:spPr>
+        <p:txBody>
+          <a:bodyPr/>
+          <a:lstStyle/>
+          <a:p>
+            <a:r>
+              <a:rPr lang="en-US" dirty="0"/>
+              <a:t>Github.com/</a:t>
+            </a:r>
+            <a:r>
+              <a:rPr lang="en-US" dirty="0" err="1"/>
+              <a:t>EELabMan</a:t>
+            </a:r>
+            <a:endParaRPr lang="en-US" dirty="0"/>
+          </a:p>
+        </p:txBody>
+      </p:sp>
+      <p:sp>
+        <p:nvSpPr>
+          <p:cNvPr id="7" name="Subtitle 3">
+            <a:extLst>
+              <a:ext uri="{FF2B5EF4-FFF2-40B4-BE49-F238E27FC236}">
+                <a16:creationId xmlns:a16="http://schemas.microsoft.com/office/drawing/2014/main" id="{613D3C9A-8239-42D6-B021-1869D97AC86F}"/>
+              </a:ext>
+            </a:extLst>
+          </p:cNvPr>
+          <p:cNvSpPr txBox="1">
+            <a:spLocks/>
+          </p:cNvSpPr>
+          <p:nvPr/>
+        </p:nvSpPr>
+        <p:spPr>
+          <a:xfrm>
+            <a:off x="3097950" y="3901321"/>
+            <a:ext cx="6304668" cy="559600"/>
+          </a:xfrm>
+          <a:prstGeom prst="rect">
+            <a:avLst/>
+          </a:prstGeom>
+          <a:noFill/>
+          <a:ln>
+            <a:noFill/>
+          </a:ln>
+        </p:spPr>
+        <p:txBody>
+          <a:bodyPr spcFirstLastPara="1" wrap="square" lIns="91425" tIns="91425" rIns="91425" bIns="91425" anchor="ctr" anchorCtr="0">
+            <a:noAutofit/>
+          </a:bodyPr>
+          <a:lstStyle>
+            <a:defPPr marR="0" lvl="0" algn="l" rtl="0">
+              <a:lnSpc>
+                <a:spcPct val="100000"/>
+              </a:lnSpc>
+              <a:spcBef>
+                <a:spcPts val="0"/>
+              </a:spcBef>
+              <a:spcAft>
+                <a:spcPts val="0"/>
+              </a:spcAft>
+            </a:defPPr>
+            <a:lvl1pPr marL="457200" marR="0" lvl="0" indent="-317500" algn="ctr" rtl="0" eaLnBrk="1" hangingPunct="1">
+              <a:lnSpc>
+                <a:spcPct val="100000"/>
+              </a:lnSpc>
+              <a:spcBef>
+                <a:spcPts val="0"/>
+              </a:spcBef>
+              <a:spcAft>
+                <a:spcPts val="0"/>
+              </a:spcAft>
+              <a:buClr>
+                <a:schemeClr val="dk2"/>
+              </a:buClr>
+              <a:buSzPts val="1400"/>
+              <a:buFont typeface="Source Sans Pro"/>
+              <a:buNone/>
+              <a:defRPr sz="1867" b="0" i="0" u="none" strike="noStrike" cap="none">
+                <a:solidFill>
+                  <a:schemeClr val="dk2"/>
+                </a:solidFill>
+                <a:latin typeface="Source Sans Pro"/>
+                <a:ea typeface="Source Sans Pro"/>
+                <a:cs typeface="Source Sans Pro"/>
+                <a:sym typeface="Source Sans Pro"/>
+              </a:defRPr>
+            </a:lvl1pPr>
+            <a:lvl2pPr marL="914400" marR="0" lvl="1" indent="-317500" algn="ctr" rtl="0" eaLnBrk="1" hangingPunct="1">
+              <a:lnSpc>
+                <a:spcPct val="100000"/>
+              </a:lnSpc>
+              <a:spcBef>
+                <a:spcPts val="0"/>
+              </a:spcBef>
+              <a:spcAft>
+                <a:spcPts val="0"/>
+              </a:spcAft>
+              <a:buClr>
+                <a:schemeClr val="dk2"/>
+              </a:buClr>
+              <a:buSzPts val="1400"/>
+              <a:buFont typeface="Source Sans Pro"/>
+              <a:buNone/>
+              <a:defRPr sz="1867" b="0" i="0" u="none" strike="noStrike" cap="none">
+                <a:solidFill>
+                  <a:schemeClr val="dk2"/>
+                </a:solidFill>
+                <a:latin typeface="Source Sans Pro"/>
+                <a:ea typeface="Source Sans Pro"/>
+                <a:cs typeface="Source Sans Pro"/>
+                <a:sym typeface="Source Sans Pro"/>
+              </a:defRPr>
+            </a:lvl2pPr>
+            <a:lvl3pPr marL="1371600" marR="0" lvl="2" indent="-317500" algn="ctr" rtl="0" eaLnBrk="1" hangingPunct="1">
+              <a:lnSpc>
+                <a:spcPct val="100000"/>
+              </a:lnSpc>
+              <a:spcBef>
+                <a:spcPts val="2133"/>
+              </a:spcBef>
+              <a:spcAft>
+                <a:spcPts val="0"/>
+              </a:spcAft>
+              <a:buClr>
+                <a:schemeClr val="dk2"/>
+              </a:buClr>
+              <a:buSzPts val="1400"/>
+              <a:buFont typeface="Source Sans Pro"/>
+              <a:buNone/>
+              <a:defRPr sz="1867" b="0" i="0" u="none" strike="noStrike" cap="none">
+                <a:solidFill>
+                  <a:schemeClr val="dk2"/>
+                </a:solidFill>
+                <a:latin typeface="Source Sans Pro"/>
+                <a:ea typeface="Source Sans Pro"/>
+                <a:cs typeface="Source Sans Pro"/>
+                <a:sym typeface="Source Sans Pro"/>
+              </a:defRPr>
+            </a:lvl3pPr>
+            <a:lvl4pPr marL="1828800" marR="0" lvl="3" indent="-317500" algn="ctr" rtl="0" eaLnBrk="1" hangingPunct="1">
+              <a:lnSpc>
+                <a:spcPct val="100000"/>
+              </a:lnSpc>
+              <a:spcBef>
+                <a:spcPts val="2133"/>
+              </a:spcBef>
+              <a:spcAft>
+                <a:spcPts val="0"/>
+              </a:spcAft>
+              <a:buClr>
+                <a:schemeClr val="dk2"/>
+              </a:buClr>
+              <a:buSzPts val="1400"/>
+              <a:buFont typeface="Source Sans Pro"/>
+              <a:buNone/>
+              <a:defRPr sz="1867" b="0" i="0" u="none" strike="noStrike" cap="none">
+                <a:solidFill>
+                  <a:schemeClr val="dk2"/>
+                </a:solidFill>
+                <a:latin typeface="Source Sans Pro"/>
+                <a:ea typeface="Source Sans Pro"/>
+                <a:cs typeface="Source Sans Pro"/>
+                <a:sym typeface="Source Sans Pro"/>
+              </a:defRPr>
+            </a:lvl4pPr>
+            <a:lvl5pPr marL="2286000" marR="0" lvl="4" indent="-317500" algn="ctr" rtl="0" eaLnBrk="1" hangingPunct="1">
+              <a:lnSpc>
+                <a:spcPct val="100000"/>
+              </a:lnSpc>
+              <a:spcBef>
+                <a:spcPts val="2133"/>
+              </a:spcBef>
+              <a:spcAft>
+                <a:spcPts val="0"/>
+              </a:spcAft>
+              <a:buClr>
+                <a:schemeClr val="dk2"/>
+              </a:buClr>
+              <a:buSzPts val="1400"/>
+              <a:buFont typeface="Source Sans Pro"/>
+              <a:buNone/>
+              <a:defRPr sz="1867" b="0" i="0" u="none" strike="noStrike" cap="none">
+                <a:solidFill>
+                  <a:schemeClr val="dk2"/>
+                </a:solidFill>
+                <a:latin typeface="Source Sans Pro"/>
+                <a:ea typeface="Source Sans Pro"/>
+                <a:cs typeface="Source Sans Pro"/>
+                <a:sym typeface="Source Sans Pro"/>
+              </a:defRPr>
+            </a:lvl5pPr>
+            <a:lvl6pPr marL="2743200" marR="0" lvl="5" indent="-317500" algn="ctr" rtl="0" eaLnBrk="1" hangingPunct="1">
+              <a:lnSpc>
+                <a:spcPct val="100000"/>
+              </a:lnSpc>
+              <a:spcBef>
+                <a:spcPts val="2133"/>
+              </a:spcBef>
+              <a:spcAft>
+                <a:spcPts val="0"/>
+              </a:spcAft>
+              <a:buClr>
+                <a:schemeClr val="dk2"/>
+              </a:buClr>
+              <a:buSzPts val="1400"/>
+              <a:buFont typeface="Source Sans Pro"/>
+              <a:buNone/>
+              <a:defRPr sz="1867" b="0" i="0" u="none" strike="noStrike" cap="none">
+                <a:solidFill>
+                  <a:schemeClr val="dk2"/>
+                </a:solidFill>
+                <a:latin typeface="Source Sans Pro"/>
+                <a:ea typeface="Source Sans Pro"/>
+                <a:cs typeface="Source Sans Pro"/>
+                <a:sym typeface="Source Sans Pro"/>
+              </a:defRPr>
+            </a:lvl6pPr>
+            <a:lvl7pPr marL="3200400" marR="0" lvl="6" indent="-317500" algn="ctr" rtl="0" eaLnBrk="1" hangingPunct="1">
+              <a:lnSpc>
+                <a:spcPct val="100000"/>
+              </a:lnSpc>
+              <a:spcBef>
+                <a:spcPts val="2133"/>
+              </a:spcBef>
+              <a:spcAft>
+                <a:spcPts val="0"/>
+              </a:spcAft>
+              <a:buClr>
+                <a:schemeClr val="dk2"/>
+              </a:buClr>
+              <a:buSzPts val="1400"/>
+              <a:buFont typeface="Source Sans Pro"/>
+              <a:buNone/>
+              <a:defRPr sz="1867" b="0" i="0" u="none" strike="noStrike" cap="none">
+                <a:solidFill>
+                  <a:schemeClr val="dk2"/>
+                </a:solidFill>
+                <a:latin typeface="Source Sans Pro"/>
+                <a:ea typeface="Source Sans Pro"/>
+                <a:cs typeface="Source Sans Pro"/>
+                <a:sym typeface="Source Sans Pro"/>
+              </a:defRPr>
+            </a:lvl7pPr>
+            <a:lvl8pPr marL="3657600" marR="0" lvl="7" indent="-317500" algn="ctr" rtl="0" eaLnBrk="1" hangingPunct="1">
+              <a:lnSpc>
+                <a:spcPct val="100000"/>
+              </a:lnSpc>
+              <a:spcBef>
+                <a:spcPts val="2133"/>
+              </a:spcBef>
+              <a:spcAft>
+                <a:spcPts val="0"/>
+              </a:spcAft>
+              <a:buClr>
+                <a:schemeClr val="dk2"/>
+              </a:buClr>
+              <a:buSzPts val="1400"/>
+              <a:buFont typeface="Source Sans Pro"/>
+              <a:buNone/>
+              <a:defRPr sz="1867" b="0" i="0" u="none" strike="noStrike" cap="none">
+                <a:solidFill>
+                  <a:schemeClr val="dk2"/>
+                </a:solidFill>
+                <a:latin typeface="Source Sans Pro"/>
+                <a:ea typeface="Source Sans Pro"/>
+                <a:cs typeface="Source Sans Pro"/>
+                <a:sym typeface="Source Sans Pro"/>
+              </a:defRPr>
+            </a:lvl8pPr>
+            <a:lvl9pPr marL="4114800" marR="0" lvl="8" indent="-317500" algn="ctr" rtl="0" eaLnBrk="1" hangingPunct="1">
+              <a:lnSpc>
+                <a:spcPct val="100000"/>
+              </a:lnSpc>
+              <a:spcBef>
+                <a:spcPts val="2133"/>
+              </a:spcBef>
+              <a:spcAft>
+                <a:spcPts val="2133"/>
+              </a:spcAft>
+              <a:buClr>
+                <a:schemeClr val="dk2"/>
+              </a:buClr>
+              <a:buSzPts val="1400"/>
+              <a:buFont typeface="Source Sans Pro"/>
+              <a:buNone/>
+              <a:defRPr sz="1867" b="0" i="0" u="none" strike="noStrike" cap="none">
+                <a:solidFill>
+                  <a:schemeClr val="dk2"/>
+                </a:solidFill>
+                <a:latin typeface="Source Sans Pro"/>
+                <a:ea typeface="Source Sans Pro"/>
+                <a:cs typeface="Source Sans Pro"/>
+                <a:sym typeface="Source Sans Pro"/>
+              </a:defRPr>
+            </a:lvl9pPr>
+          </a:lstStyle>
+          <a:p>
+            <a:r>
+              <a:rPr lang="en-US" dirty="0"/>
+              <a:t>Go To Repositories and find LoRa-Radio</a:t>
+            </a:r>
+          </a:p>
+          <a:p>
+            <a:r>
+              <a:rPr lang="en-US" dirty="0"/>
+              <a:t>Click the green button to download the .zip file and extract it on your computer.</a:t>
+            </a:r>
+          </a:p>
+        </p:txBody>
+      </p:sp>
+    </p:spTree>
+    <p:extLst>
+      <p:ext uri="{BB962C8B-B14F-4D97-AF65-F5344CB8AC3E}">
+        <p14:creationId xmlns:p14="http://schemas.microsoft.com/office/powerpoint/2010/main" val="86687579"/>
+      </p:ext>
+    </p:extLst>
+  </p:cSld>
+  <p:clrMapOvr>
+    <a:masterClrMapping/>
+  </p:clrMapOvr>
+</p:sld>
+</file>
+
+<file path=ppt/slides/slide20.xml><?xml version="1.0" encoding="utf-8"?>
 <p:sld xmlns:a="http://schemas.openxmlformats.org/drawingml/2006/main" xmlns:r="http://schemas.openxmlformats.org/officeDocument/2006/relationships" xmlns:p="http://schemas.openxmlformats.org/presentationml/2006/main">
   <p:cSld>
     <p:spTree>
@@ -55488,399 +56388,6 @@
     <p:extLst>
       <p:ext uri="{BB962C8B-B14F-4D97-AF65-F5344CB8AC3E}">
         <p14:creationId xmlns:p14="http://schemas.microsoft.com/office/powerpoint/2010/main" val="3433655955"/>
-      </p:ext>
-    </p:extLst>
-  </p:cSld>
-  <p:clrMapOvr>
-    <a:masterClrMapping/>
-  </p:clrMapOvr>
-</p:sld>
-</file>
-
-<file path=ppt/slides/slide2.xml><?xml version="1.0" encoding="utf-8"?>
-<p:sld xmlns:a="http://schemas.openxmlformats.org/drawingml/2006/main" xmlns:r="http://schemas.openxmlformats.org/officeDocument/2006/relationships" xmlns:p="http://schemas.openxmlformats.org/presentationml/2006/main">
-  <p:cSld>
-    <p:spTree>
-      <p:nvGrpSpPr>
-        <p:cNvPr id="1" name=""/>
-        <p:cNvGrpSpPr/>
-        <p:nvPr/>
-      </p:nvGrpSpPr>
-      <p:grpSpPr>
-        <a:xfrm>
-          <a:off x="0" y="0"/>
-          <a:ext cx="0" cy="0"/>
-          <a:chOff x="0" y="0"/>
-          <a:chExt cx="0" cy="0"/>
-        </a:xfrm>
-      </p:grpSpPr>
-      <p:sp>
-        <p:nvSpPr>
-          <p:cNvPr id="2" name="Title 1">
-            <a:extLst>
-              <a:ext uri="{FF2B5EF4-FFF2-40B4-BE49-F238E27FC236}">
-                <a16:creationId xmlns:a16="http://schemas.microsoft.com/office/drawing/2014/main" id="{8012A6D0-56EB-49EE-AC70-0F1B9B2EDA30}"/>
-              </a:ext>
-            </a:extLst>
-          </p:cNvPr>
-          <p:cNvSpPr>
-            <a:spLocks noGrp="1"/>
-          </p:cNvSpPr>
-          <p:nvPr>
-            <p:ph type="title"/>
-          </p:nvPr>
-        </p:nvSpPr>
-        <p:spPr>
-          <a:xfrm>
-            <a:off x="2361563" y="1830189"/>
-            <a:ext cx="7468875" cy="822400"/>
-          </a:xfrm>
-        </p:spPr>
-        <p:txBody>
-          <a:bodyPr/>
-          <a:lstStyle/>
-          <a:p>
-            <a:r>
-              <a:rPr lang="en-US" dirty="0"/>
-              <a:t>PowerPoint and Code</a:t>
-            </a:r>
-          </a:p>
-        </p:txBody>
-      </p:sp>
-      <p:sp>
-        <p:nvSpPr>
-          <p:cNvPr id="4" name="Subtitle 3">
-            <a:extLst>
-              <a:ext uri="{FF2B5EF4-FFF2-40B4-BE49-F238E27FC236}">
-                <a16:creationId xmlns:a16="http://schemas.microsoft.com/office/drawing/2014/main" id="{FCE4C0B2-E775-4300-9C1C-B204E2F812E0}"/>
-              </a:ext>
-            </a:extLst>
-          </p:cNvPr>
-          <p:cNvSpPr>
-            <a:spLocks noGrp="1"/>
-          </p:cNvSpPr>
-          <p:nvPr>
-            <p:ph type="subTitle" idx="1"/>
-          </p:nvPr>
-        </p:nvSpPr>
-        <p:spPr>
-          <a:xfrm>
-            <a:off x="3097951" y="2891671"/>
-            <a:ext cx="5500800" cy="559600"/>
-          </a:xfrm>
-        </p:spPr>
-        <p:txBody>
-          <a:bodyPr/>
-          <a:lstStyle/>
-          <a:p>
-            <a:r>
-              <a:rPr lang="en-US" dirty="0"/>
-              <a:t>Github.com/</a:t>
-            </a:r>
-            <a:r>
-              <a:rPr lang="en-US" dirty="0" err="1"/>
-              <a:t>EELabMan</a:t>
-            </a:r>
-            <a:endParaRPr lang="en-US" dirty="0"/>
-          </a:p>
-        </p:txBody>
-      </p:sp>
-      <p:sp>
-        <p:nvSpPr>
-          <p:cNvPr id="7" name="Subtitle 3">
-            <a:extLst>
-              <a:ext uri="{FF2B5EF4-FFF2-40B4-BE49-F238E27FC236}">
-                <a16:creationId xmlns:a16="http://schemas.microsoft.com/office/drawing/2014/main" id="{613D3C9A-8239-42D6-B021-1869D97AC86F}"/>
-              </a:ext>
-            </a:extLst>
-          </p:cNvPr>
-          <p:cNvSpPr txBox="1">
-            <a:spLocks/>
-          </p:cNvSpPr>
-          <p:nvPr/>
-        </p:nvSpPr>
-        <p:spPr>
-          <a:xfrm>
-            <a:off x="3097950" y="3901321"/>
-            <a:ext cx="6304668" cy="559600"/>
-          </a:xfrm>
-          <a:prstGeom prst="rect">
-            <a:avLst/>
-          </a:prstGeom>
-          <a:noFill/>
-          <a:ln>
-            <a:noFill/>
-          </a:ln>
-        </p:spPr>
-        <p:txBody>
-          <a:bodyPr spcFirstLastPara="1" wrap="square" lIns="91425" tIns="91425" rIns="91425" bIns="91425" anchor="ctr" anchorCtr="0">
-            <a:noAutofit/>
-          </a:bodyPr>
-          <a:lstStyle>
-            <a:defPPr marR="0" lvl="0" algn="l" rtl="0">
-              <a:lnSpc>
-                <a:spcPct val="100000"/>
-              </a:lnSpc>
-              <a:spcBef>
-                <a:spcPts val="0"/>
-              </a:spcBef>
-              <a:spcAft>
-                <a:spcPts val="0"/>
-              </a:spcAft>
-            </a:defPPr>
-            <a:lvl1pPr marL="457200" marR="0" lvl="0" indent="-317500" algn="ctr" rtl="0" eaLnBrk="1" hangingPunct="1">
-              <a:lnSpc>
-                <a:spcPct val="100000"/>
-              </a:lnSpc>
-              <a:spcBef>
-                <a:spcPts val="0"/>
-              </a:spcBef>
-              <a:spcAft>
-                <a:spcPts val="0"/>
-              </a:spcAft>
-              <a:buClr>
-                <a:schemeClr val="dk2"/>
-              </a:buClr>
-              <a:buSzPts val="1400"/>
-              <a:buFont typeface="Source Sans Pro"/>
-              <a:buNone/>
-              <a:defRPr sz="1867" b="0" i="0" u="none" strike="noStrike" cap="none">
-                <a:solidFill>
-                  <a:schemeClr val="dk2"/>
-                </a:solidFill>
-                <a:latin typeface="Source Sans Pro"/>
-                <a:ea typeface="Source Sans Pro"/>
-                <a:cs typeface="Source Sans Pro"/>
-                <a:sym typeface="Source Sans Pro"/>
-              </a:defRPr>
-            </a:lvl1pPr>
-            <a:lvl2pPr marL="914400" marR="0" lvl="1" indent="-317500" algn="ctr" rtl="0" eaLnBrk="1" hangingPunct="1">
-              <a:lnSpc>
-                <a:spcPct val="100000"/>
-              </a:lnSpc>
-              <a:spcBef>
-                <a:spcPts val="0"/>
-              </a:spcBef>
-              <a:spcAft>
-                <a:spcPts val="0"/>
-              </a:spcAft>
-              <a:buClr>
-                <a:schemeClr val="dk2"/>
-              </a:buClr>
-              <a:buSzPts val="1400"/>
-              <a:buFont typeface="Source Sans Pro"/>
-              <a:buNone/>
-              <a:defRPr sz="1867" b="0" i="0" u="none" strike="noStrike" cap="none">
-                <a:solidFill>
-                  <a:schemeClr val="dk2"/>
-                </a:solidFill>
-                <a:latin typeface="Source Sans Pro"/>
-                <a:ea typeface="Source Sans Pro"/>
-                <a:cs typeface="Source Sans Pro"/>
-                <a:sym typeface="Source Sans Pro"/>
-              </a:defRPr>
-            </a:lvl2pPr>
-            <a:lvl3pPr marL="1371600" marR="0" lvl="2" indent="-317500" algn="ctr" rtl="0" eaLnBrk="1" hangingPunct="1">
-              <a:lnSpc>
-                <a:spcPct val="100000"/>
-              </a:lnSpc>
-              <a:spcBef>
-                <a:spcPts val="2133"/>
-              </a:spcBef>
-              <a:spcAft>
-                <a:spcPts val="0"/>
-              </a:spcAft>
-              <a:buClr>
-                <a:schemeClr val="dk2"/>
-              </a:buClr>
-              <a:buSzPts val="1400"/>
-              <a:buFont typeface="Source Sans Pro"/>
-              <a:buNone/>
-              <a:defRPr sz="1867" b="0" i="0" u="none" strike="noStrike" cap="none">
-                <a:solidFill>
-                  <a:schemeClr val="dk2"/>
-                </a:solidFill>
-                <a:latin typeface="Source Sans Pro"/>
-                <a:ea typeface="Source Sans Pro"/>
-                <a:cs typeface="Source Sans Pro"/>
-                <a:sym typeface="Source Sans Pro"/>
-              </a:defRPr>
-            </a:lvl3pPr>
-            <a:lvl4pPr marL="1828800" marR="0" lvl="3" indent="-317500" algn="ctr" rtl="0" eaLnBrk="1" hangingPunct="1">
-              <a:lnSpc>
-                <a:spcPct val="100000"/>
-              </a:lnSpc>
-              <a:spcBef>
-                <a:spcPts val="2133"/>
-              </a:spcBef>
-              <a:spcAft>
-                <a:spcPts val="0"/>
-              </a:spcAft>
-              <a:buClr>
-                <a:schemeClr val="dk2"/>
-              </a:buClr>
-              <a:buSzPts val="1400"/>
-              <a:buFont typeface="Source Sans Pro"/>
-              <a:buNone/>
-              <a:defRPr sz="1867" b="0" i="0" u="none" strike="noStrike" cap="none">
-                <a:solidFill>
-                  <a:schemeClr val="dk2"/>
-                </a:solidFill>
-                <a:latin typeface="Source Sans Pro"/>
-                <a:ea typeface="Source Sans Pro"/>
-                <a:cs typeface="Source Sans Pro"/>
-                <a:sym typeface="Source Sans Pro"/>
-              </a:defRPr>
-            </a:lvl4pPr>
-            <a:lvl5pPr marL="2286000" marR="0" lvl="4" indent="-317500" algn="ctr" rtl="0" eaLnBrk="1" hangingPunct="1">
-              <a:lnSpc>
-                <a:spcPct val="100000"/>
-              </a:lnSpc>
-              <a:spcBef>
-                <a:spcPts val="2133"/>
-              </a:spcBef>
-              <a:spcAft>
-                <a:spcPts val="0"/>
-              </a:spcAft>
-              <a:buClr>
-                <a:schemeClr val="dk2"/>
-              </a:buClr>
-              <a:buSzPts val="1400"/>
-              <a:buFont typeface="Source Sans Pro"/>
-              <a:buNone/>
-              <a:defRPr sz="1867" b="0" i="0" u="none" strike="noStrike" cap="none">
-                <a:solidFill>
-                  <a:schemeClr val="dk2"/>
-                </a:solidFill>
-                <a:latin typeface="Source Sans Pro"/>
-                <a:ea typeface="Source Sans Pro"/>
-                <a:cs typeface="Source Sans Pro"/>
-                <a:sym typeface="Source Sans Pro"/>
-              </a:defRPr>
-            </a:lvl5pPr>
-            <a:lvl6pPr marL="2743200" marR="0" lvl="5" indent="-317500" algn="ctr" rtl="0" eaLnBrk="1" hangingPunct="1">
-              <a:lnSpc>
-                <a:spcPct val="100000"/>
-              </a:lnSpc>
-              <a:spcBef>
-                <a:spcPts val="2133"/>
-              </a:spcBef>
-              <a:spcAft>
-                <a:spcPts val="0"/>
-              </a:spcAft>
-              <a:buClr>
-                <a:schemeClr val="dk2"/>
-              </a:buClr>
-              <a:buSzPts val="1400"/>
-              <a:buFont typeface="Source Sans Pro"/>
-              <a:buNone/>
-              <a:defRPr sz="1867" b="0" i="0" u="none" strike="noStrike" cap="none">
-                <a:solidFill>
-                  <a:schemeClr val="dk2"/>
-                </a:solidFill>
-                <a:latin typeface="Source Sans Pro"/>
-                <a:ea typeface="Source Sans Pro"/>
-                <a:cs typeface="Source Sans Pro"/>
-                <a:sym typeface="Source Sans Pro"/>
-              </a:defRPr>
-            </a:lvl6pPr>
-            <a:lvl7pPr marL="3200400" marR="0" lvl="6" indent="-317500" algn="ctr" rtl="0" eaLnBrk="1" hangingPunct="1">
-              <a:lnSpc>
-                <a:spcPct val="100000"/>
-              </a:lnSpc>
-              <a:spcBef>
-                <a:spcPts val="2133"/>
-              </a:spcBef>
-              <a:spcAft>
-                <a:spcPts val="0"/>
-              </a:spcAft>
-              <a:buClr>
-                <a:schemeClr val="dk2"/>
-              </a:buClr>
-              <a:buSzPts val="1400"/>
-              <a:buFont typeface="Source Sans Pro"/>
-              <a:buNone/>
-              <a:defRPr sz="1867" b="0" i="0" u="none" strike="noStrike" cap="none">
-                <a:solidFill>
-                  <a:schemeClr val="dk2"/>
-                </a:solidFill>
-                <a:latin typeface="Source Sans Pro"/>
-                <a:ea typeface="Source Sans Pro"/>
-                <a:cs typeface="Source Sans Pro"/>
-                <a:sym typeface="Source Sans Pro"/>
-              </a:defRPr>
-            </a:lvl7pPr>
-            <a:lvl8pPr marL="3657600" marR="0" lvl="7" indent="-317500" algn="ctr" rtl="0" eaLnBrk="1" hangingPunct="1">
-              <a:lnSpc>
-                <a:spcPct val="100000"/>
-              </a:lnSpc>
-              <a:spcBef>
-                <a:spcPts val="2133"/>
-              </a:spcBef>
-              <a:spcAft>
-                <a:spcPts val="0"/>
-              </a:spcAft>
-              <a:buClr>
-                <a:schemeClr val="dk2"/>
-              </a:buClr>
-              <a:buSzPts val="1400"/>
-              <a:buFont typeface="Source Sans Pro"/>
-              <a:buNone/>
-              <a:defRPr sz="1867" b="0" i="0" u="none" strike="noStrike" cap="none">
-                <a:solidFill>
-                  <a:schemeClr val="dk2"/>
-                </a:solidFill>
-                <a:latin typeface="Source Sans Pro"/>
-                <a:ea typeface="Source Sans Pro"/>
-                <a:cs typeface="Source Sans Pro"/>
-                <a:sym typeface="Source Sans Pro"/>
-              </a:defRPr>
-            </a:lvl8pPr>
-            <a:lvl9pPr marL="4114800" marR="0" lvl="8" indent="-317500" algn="ctr" rtl="0" eaLnBrk="1" hangingPunct="1">
-              <a:lnSpc>
-                <a:spcPct val="100000"/>
-              </a:lnSpc>
-              <a:spcBef>
-                <a:spcPts val="2133"/>
-              </a:spcBef>
-              <a:spcAft>
-                <a:spcPts val="2133"/>
-              </a:spcAft>
-              <a:buClr>
-                <a:schemeClr val="dk2"/>
-              </a:buClr>
-              <a:buSzPts val="1400"/>
-              <a:buFont typeface="Source Sans Pro"/>
-              <a:buNone/>
-              <a:defRPr sz="1867" b="0" i="0" u="none" strike="noStrike" cap="none">
-                <a:solidFill>
-                  <a:schemeClr val="dk2"/>
-                </a:solidFill>
-                <a:latin typeface="Source Sans Pro"/>
-                <a:ea typeface="Source Sans Pro"/>
-                <a:cs typeface="Source Sans Pro"/>
-                <a:sym typeface="Source Sans Pro"/>
-              </a:defRPr>
-            </a:lvl9pPr>
-          </a:lstStyle>
-          <a:p>
-            <a:r>
-              <a:rPr lang="en-US" dirty="0"/>
-              <a:t>Go To Repositories and find LoRa-Radio</a:t>
-            </a:r>
-          </a:p>
-          <a:p>
-            <a:r>
-              <a:rPr lang="en-US" dirty="0"/>
-              <a:t>Click the green button to download the .zip file and extract it on your computer.</a:t>
-            </a:r>
-          </a:p>
-        </p:txBody>
-      </p:sp>
-    </p:spTree>
-    <p:extLst>
-      <p:ext uri="{BB962C8B-B14F-4D97-AF65-F5344CB8AC3E}">
-        <p14:creationId xmlns:p14="http://schemas.microsoft.com/office/powerpoint/2010/main" val="86687579"/>
       </p:ext>
     </p:extLst>
   </p:cSld>

--- a/Lora.pptx
+++ b/Lora.pptx
@@ -5,7 +5,7 @@
     <p:sldMasterId id="2147483660" r:id="rId1"/>
   </p:sldMasterIdLst>
   <p:notesMasterIdLst>
-    <p:notesMasterId r:id="rId22"/>
+    <p:notesMasterId r:id="rId23"/>
   </p:notesMasterIdLst>
   <p:sldIdLst>
     <p:sldId id="256" r:id="rId2"/>
@@ -24,10 +24,11 @@
     <p:sldId id="271" r:id="rId15"/>
     <p:sldId id="285" r:id="rId16"/>
     <p:sldId id="303" r:id="rId17"/>
-    <p:sldId id="272" r:id="rId18"/>
-    <p:sldId id="270" r:id="rId19"/>
-    <p:sldId id="301" r:id="rId20"/>
-    <p:sldId id="299" r:id="rId21"/>
+    <p:sldId id="304" r:id="rId18"/>
+    <p:sldId id="272" r:id="rId19"/>
+    <p:sldId id="270" r:id="rId20"/>
+    <p:sldId id="301" r:id="rId21"/>
+    <p:sldId id="299" r:id="rId22"/>
   </p:sldIdLst>
   <p:sldSz cx="12192000" cy="6858000"/>
   <p:notesSz cx="6858000" cy="9144000"/>
@@ -55155,6 +55156,416 @@
           <p:cNvPr id="2" name="Title 1">
             <a:extLst>
               <a:ext uri="{FF2B5EF4-FFF2-40B4-BE49-F238E27FC236}">
+                <a16:creationId xmlns:a16="http://schemas.microsoft.com/office/drawing/2014/main" id="{4675A003-E534-4CDF-A01F-5FE3DE7F5E4F}"/>
+              </a:ext>
+            </a:extLst>
+          </p:cNvPr>
+          <p:cNvSpPr>
+            <a:spLocks noGrp="1"/>
+          </p:cNvSpPr>
+          <p:nvPr>
+            <p:ph type="title"/>
+          </p:nvPr>
+        </p:nvSpPr>
+        <p:spPr/>
+        <p:txBody>
+          <a:bodyPr/>
+          <a:lstStyle/>
+          <a:p>
+            <a:r>
+              <a:rPr lang="en-US" dirty="0"/>
+              <a:t>Open </a:t>
+            </a:r>
+            <a:r>
+              <a:rPr lang="en-US" dirty="0" err="1"/>
+              <a:t>LoRa_TX.ino</a:t>
+            </a:r>
+            <a:endParaRPr lang="en-US" dirty="0"/>
+          </a:p>
+        </p:txBody>
+      </p:sp>
+      <p:sp>
+        <p:nvSpPr>
+          <p:cNvPr id="10" name="TextBox 9">
+            <a:extLst>
+              <a:ext uri="{FF2B5EF4-FFF2-40B4-BE49-F238E27FC236}">
+                <a16:creationId xmlns:a16="http://schemas.microsoft.com/office/drawing/2014/main" id="{3C1C83A7-15A0-F981-D702-A0628900D55A}"/>
+              </a:ext>
+            </a:extLst>
+          </p:cNvPr>
+          <p:cNvSpPr txBox="1"/>
+          <p:nvPr/>
+        </p:nvSpPr>
+        <p:spPr>
+          <a:xfrm>
+            <a:off x="2109945" y="1717040"/>
+            <a:ext cx="7842800" cy="1169551"/>
+          </a:xfrm>
+          <a:prstGeom prst="rect">
+            <a:avLst/>
+          </a:prstGeom>
+          <a:noFill/>
+        </p:spPr>
+        <p:txBody>
+          <a:bodyPr wrap="square" rtlCol="0">
+            <a:spAutoFit/>
+          </a:bodyPr>
+          <a:lstStyle/>
+          <a:p>
+            <a:pPr marL="285750" indent="-285750">
+              <a:buClr>
+                <a:schemeClr val="tx1"/>
+              </a:buClr>
+              <a:buFont typeface="Arial" panose="020B0604020202020204" pitchFamily="34" charset="0"/>
+              <a:buChar char="•"/>
+            </a:pPr>
+            <a:r>
+              <a:rPr lang="en-US" dirty="0">
+                <a:solidFill>
+                  <a:schemeClr val="tx1"/>
+                </a:solidFill>
+              </a:rPr>
+              <a:t>Open the </a:t>
+            </a:r>
+            <a:r>
+              <a:rPr lang="en-US" dirty="0" err="1">
+                <a:solidFill>
+                  <a:schemeClr val="tx1"/>
+                </a:solidFill>
+              </a:rPr>
+              <a:t>LoRa_TX.ino</a:t>
+            </a:r>
+            <a:r>
+              <a:rPr lang="en-US" dirty="0">
+                <a:solidFill>
+                  <a:schemeClr val="tx1"/>
+                </a:solidFill>
+              </a:rPr>
+              <a:t> file from your extracted zip folder.</a:t>
+            </a:r>
+          </a:p>
+          <a:p>
+            <a:pPr marL="285750" indent="-285750">
+              <a:buClr>
+                <a:schemeClr val="tx1"/>
+              </a:buClr>
+              <a:buFont typeface="Arial" panose="020B0604020202020204" pitchFamily="34" charset="0"/>
+              <a:buChar char="•"/>
+            </a:pPr>
+            <a:r>
+              <a:rPr lang="en-US" dirty="0">
+                <a:solidFill>
+                  <a:schemeClr val="tx1"/>
+                </a:solidFill>
+              </a:rPr>
+              <a:t>Click the check mark to compile and ensure the libraries are installed correctly.</a:t>
+            </a:r>
+          </a:p>
+          <a:p>
+            <a:pPr marL="285750" indent="-285750">
+              <a:buClr>
+                <a:schemeClr val="tx1"/>
+              </a:buClr>
+              <a:buFont typeface="Arial" panose="020B0604020202020204" pitchFamily="34" charset="0"/>
+              <a:buChar char="•"/>
+            </a:pPr>
+            <a:r>
+              <a:rPr lang="en-US" dirty="0">
+                <a:solidFill>
+                  <a:schemeClr val="tx1"/>
+                </a:solidFill>
+              </a:rPr>
+              <a:t>Click the right arrow to upload the program to the Arduino Nano.</a:t>
+            </a:r>
+          </a:p>
+          <a:p>
+            <a:pPr marL="285750" indent="-285750">
+              <a:buClr>
+                <a:schemeClr val="tx1"/>
+              </a:buClr>
+              <a:buFont typeface="Arial" panose="020B0604020202020204" pitchFamily="34" charset="0"/>
+              <a:buChar char="•"/>
+            </a:pPr>
+            <a:r>
+              <a:rPr lang="en-US" dirty="0">
+                <a:solidFill>
+                  <a:schemeClr val="tx1"/>
+                </a:solidFill>
+              </a:rPr>
+              <a:t>Open the serial monitor to ensure the DHT-11 and Lora radio modules are communicating with the Nano.</a:t>
+            </a:r>
+          </a:p>
+        </p:txBody>
+      </p:sp>
+      <p:pic>
+        <p:nvPicPr>
+          <p:cNvPr id="4" name="Picture 3">
+            <a:extLst>
+              <a:ext uri="{FF2B5EF4-FFF2-40B4-BE49-F238E27FC236}">
+                <a16:creationId xmlns:a16="http://schemas.microsoft.com/office/drawing/2014/main" id="{F66B5AA3-31F0-9CF5-A573-571F0BC03980}"/>
+              </a:ext>
+            </a:extLst>
+          </p:cNvPr>
+          <p:cNvPicPr>
+            <a:picLocks noChangeAspect="1"/>
+          </p:cNvPicPr>
+          <p:nvPr/>
+        </p:nvPicPr>
+        <p:blipFill>
+          <a:blip r:embed="rId2"/>
+          <a:stretch>
+            <a:fillRect/>
+          </a:stretch>
+        </p:blipFill>
+        <p:spPr>
+          <a:xfrm>
+            <a:off x="2669310" y="2957625"/>
+            <a:ext cx="6486957" cy="3649872"/>
+          </a:xfrm>
+          <a:prstGeom prst="rect">
+            <a:avLst/>
+          </a:prstGeom>
+        </p:spPr>
+      </p:pic>
+      <p:sp>
+        <p:nvSpPr>
+          <p:cNvPr id="5" name="Arrow: Left 4">
+            <a:extLst>
+              <a:ext uri="{FF2B5EF4-FFF2-40B4-BE49-F238E27FC236}">
+                <a16:creationId xmlns:a16="http://schemas.microsoft.com/office/drawing/2014/main" id="{8FE40019-010B-3512-0241-40AA60C54E58}"/>
+              </a:ext>
+            </a:extLst>
+          </p:cNvPr>
+          <p:cNvSpPr/>
+          <p:nvPr/>
+        </p:nvSpPr>
+        <p:spPr>
+          <a:xfrm rot="9183022">
+            <a:off x="1546765" y="3516422"/>
+            <a:ext cx="1255670" cy="275308"/>
+          </a:xfrm>
+          <a:prstGeom prst="leftArrow">
+            <a:avLst/>
+          </a:prstGeom>
+          <a:solidFill>
+            <a:srgbClr val="FF0000"/>
+          </a:solidFill>
+          <a:ln>
+            <a:solidFill>
+              <a:srgbClr val="FF0000"/>
+            </a:solidFill>
+          </a:ln>
+        </p:spPr>
+        <p:style>
+          <a:lnRef idx="2">
+            <a:schemeClr val="accent1">
+              <a:shade val="15000"/>
+            </a:schemeClr>
+          </a:lnRef>
+          <a:fillRef idx="1">
+            <a:schemeClr val="accent1"/>
+          </a:fillRef>
+          <a:effectRef idx="0">
+            <a:schemeClr val="accent1"/>
+          </a:effectRef>
+          <a:fontRef idx="minor">
+            <a:schemeClr val="lt1"/>
+          </a:fontRef>
+        </p:style>
+        <p:txBody>
+          <a:bodyPr rtlCol="0" anchor="ctr"/>
+          <a:lstStyle/>
+          <a:p>
+            <a:pPr algn="ctr"/>
+            <a:endParaRPr lang="en-US"/>
+          </a:p>
+        </p:txBody>
+      </p:sp>
+      <p:sp>
+        <p:nvSpPr>
+          <p:cNvPr id="7" name="Rectangle 6">
+            <a:extLst>
+              <a:ext uri="{FF2B5EF4-FFF2-40B4-BE49-F238E27FC236}">
+                <a16:creationId xmlns:a16="http://schemas.microsoft.com/office/drawing/2014/main" id="{62108D22-B13B-5D9D-E7EE-6A94DA4B0482}"/>
+              </a:ext>
+            </a:extLst>
+          </p:cNvPr>
+          <p:cNvSpPr/>
+          <p:nvPr/>
+        </p:nvSpPr>
+        <p:spPr>
+          <a:xfrm>
+            <a:off x="983171" y="3674537"/>
+            <a:ext cx="569387" cy="923330"/>
+          </a:xfrm>
+          <a:prstGeom prst="rect">
+            <a:avLst/>
+          </a:prstGeom>
+          <a:noFill/>
+        </p:spPr>
+        <p:txBody>
+          <a:bodyPr wrap="none" lIns="91440" tIns="45720" rIns="91440" bIns="45720">
+            <a:spAutoFit/>
+          </a:bodyPr>
+          <a:lstStyle/>
+          <a:p>
+            <a:pPr algn="ctr"/>
+            <a:r>
+              <a:rPr lang="en-US" sz="5400" b="0" cap="none" spc="0" dirty="0">
+                <a:ln w="0"/>
+                <a:solidFill>
+                  <a:schemeClr val="tx1"/>
+                </a:solidFill>
+                <a:effectLst>
+                  <a:outerShdw blurRad="38100" dist="25400" dir="5400000" algn="ctr" rotWithShape="0">
+                    <a:srgbClr val="6E747A">
+                      <a:alpha val="43000"/>
+                    </a:srgbClr>
+                  </a:outerShdw>
+                </a:effectLst>
+              </a:rPr>
+              <a:t>1</a:t>
+            </a:r>
+          </a:p>
+        </p:txBody>
+      </p:sp>
+      <p:sp>
+        <p:nvSpPr>
+          <p:cNvPr id="16" name="Rectangle 15">
+            <a:extLst>
+              <a:ext uri="{FF2B5EF4-FFF2-40B4-BE49-F238E27FC236}">
+                <a16:creationId xmlns:a16="http://schemas.microsoft.com/office/drawing/2014/main" id="{972E6743-F5FE-5695-138A-141C57854ED8}"/>
+              </a:ext>
+            </a:extLst>
+          </p:cNvPr>
+          <p:cNvSpPr/>
+          <p:nvPr/>
+        </p:nvSpPr>
+        <p:spPr>
+          <a:xfrm>
+            <a:off x="1815383" y="4678304"/>
+            <a:ext cx="569387" cy="923330"/>
+          </a:xfrm>
+          <a:prstGeom prst="rect">
+            <a:avLst/>
+          </a:prstGeom>
+          <a:noFill/>
+        </p:spPr>
+        <p:txBody>
+          <a:bodyPr wrap="none" lIns="91440" tIns="45720" rIns="91440" bIns="45720">
+            <a:spAutoFit/>
+          </a:bodyPr>
+          <a:lstStyle/>
+          <a:p>
+            <a:pPr algn="ctr"/>
+            <a:r>
+              <a:rPr lang="en-US" sz="5400" b="0" cap="none" spc="0" dirty="0">
+                <a:ln w="0"/>
+                <a:solidFill>
+                  <a:schemeClr val="tx1"/>
+                </a:solidFill>
+                <a:effectLst>
+                  <a:outerShdw blurRad="38100" dist="25400" dir="5400000" algn="ctr" rotWithShape="0">
+                    <a:srgbClr val="6E747A">
+                      <a:alpha val="43000"/>
+                    </a:srgbClr>
+                  </a:outerShdw>
+                </a:effectLst>
+              </a:rPr>
+              <a:t>2</a:t>
+            </a:r>
+          </a:p>
+        </p:txBody>
+      </p:sp>
+      <p:sp>
+        <p:nvSpPr>
+          <p:cNvPr id="17" name="Arrow: Left 16">
+            <a:extLst>
+              <a:ext uri="{FF2B5EF4-FFF2-40B4-BE49-F238E27FC236}">
+                <a16:creationId xmlns:a16="http://schemas.microsoft.com/office/drawing/2014/main" id="{746D5C25-493F-070D-7DEF-3F6B492109E5}"/>
+              </a:ext>
+            </a:extLst>
+          </p:cNvPr>
+          <p:cNvSpPr/>
+          <p:nvPr/>
+        </p:nvSpPr>
+        <p:spPr>
+          <a:xfrm rot="7149250">
+            <a:off x="1849566" y="4021362"/>
+            <a:ext cx="1529861" cy="275308"/>
+          </a:xfrm>
+          <a:prstGeom prst="leftArrow">
+            <a:avLst/>
+          </a:prstGeom>
+          <a:solidFill>
+            <a:srgbClr val="FF0000"/>
+          </a:solidFill>
+          <a:ln>
+            <a:solidFill>
+              <a:srgbClr val="FF0000"/>
+            </a:solidFill>
+          </a:ln>
+        </p:spPr>
+        <p:style>
+          <a:lnRef idx="2">
+            <a:schemeClr val="accent1">
+              <a:shade val="15000"/>
+            </a:schemeClr>
+          </a:lnRef>
+          <a:fillRef idx="1">
+            <a:schemeClr val="accent1"/>
+          </a:fillRef>
+          <a:effectRef idx="0">
+            <a:schemeClr val="accent1"/>
+          </a:effectRef>
+          <a:fontRef idx="minor">
+            <a:schemeClr val="lt1"/>
+          </a:fontRef>
+        </p:style>
+        <p:txBody>
+          <a:bodyPr rtlCol="0" anchor="ctr"/>
+          <a:lstStyle/>
+          <a:p>
+            <a:pPr algn="ctr"/>
+            <a:endParaRPr lang="en-US"/>
+          </a:p>
+        </p:txBody>
+      </p:sp>
+    </p:spTree>
+    <p:extLst>
+      <p:ext uri="{BB962C8B-B14F-4D97-AF65-F5344CB8AC3E}">
+        <p14:creationId xmlns:p14="http://schemas.microsoft.com/office/powerpoint/2010/main" val="2771922186"/>
+      </p:ext>
+    </p:extLst>
+  </p:cSld>
+  <p:clrMapOvr>
+    <a:masterClrMapping/>
+  </p:clrMapOvr>
+</p:sld>
+</file>
+
+<file path=ppt/slides/slide18.xml><?xml version="1.0" encoding="utf-8"?>
+<p:sld xmlns:a="http://schemas.openxmlformats.org/drawingml/2006/main" xmlns:r="http://schemas.openxmlformats.org/officeDocument/2006/relationships" xmlns:p="http://schemas.openxmlformats.org/presentationml/2006/main">
+  <p:cSld>
+    <p:spTree>
+      <p:nvGrpSpPr>
+        <p:cNvPr id="1" name=""/>
+        <p:cNvGrpSpPr/>
+        <p:nvPr/>
+      </p:nvGrpSpPr>
+      <p:grpSpPr>
+        <a:xfrm>
+          <a:off x="0" y="0"/>
+          <a:ext cx="0" cy="0"/>
+          <a:chOff x="0" y="0"/>
+          <a:chExt cx="0" cy="0"/>
+        </a:xfrm>
+      </p:grpSpPr>
+      <p:sp>
+        <p:nvSpPr>
+          <p:cNvPr id="2" name="Title 1">
+            <a:extLst>
+              <a:ext uri="{FF2B5EF4-FFF2-40B4-BE49-F238E27FC236}">
                 <a16:creationId xmlns:a16="http://schemas.microsoft.com/office/drawing/2014/main" id="{C6EC5FF4-C466-968C-45F7-CF4000A5E83E}"/>
               </a:ext>
             </a:extLst>
@@ -55569,7 +55980,7 @@
 </p:sld>
 </file>
 
-<file path=ppt/slides/slide18.xml><?xml version="1.0" encoding="utf-8"?>
+<file path=ppt/slides/slide19.xml><?xml version="1.0" encoding="utf-8"?>
 <p:sld xmlns:a="http://schemas.openxmlformats.org/drawingml/2006/main" xmlns:r="http://schemas.openxmlformats.org/officeDocument/2006/relationships" xmlns:p="http://schemas.openxmlformats.org/presentationml/2006/main">
   <p:cSld>
     <p:spTree>
@@ -55690,7 +56101,400 @@
 </p:sld>
 </file>
 
-<file path=ppt/slides/slide19.xml><?xml version="1.0" encoding="utf-8"?>
+<file path=ppt/slides/slide2.xml><?xml version="1.0" encoding="utf-8"?>
+<p:sld xmlns:a="http://schemas.openxmlformats.org/drawingml/2006/main" xmlns:r="http://schemas.openxmlformats.org/officeDocument/2006/relationships" xmlns:p="http://schemas.openxmlformats.org/presentationml/2006/main">
+  <p:cSld>
+    <p:spTree>
+      <p:nvGrpSpPr>
+        <p:cNvPr id="1" name=""/>
+        <p:cNvGrpSpPr/>
+        <p:nvPr/>
+      </p:nvGrpSpPr>
+      <p:grpSpPr>
+        <a:xfrm>
+          <a:off x="0" y="0"/>
+          <a:ext cx="0" cy="0"/>
+          <a:chOff x="0" y="0"/>
+          <a:chExt cx="0" cy="0"/>
+        </a:xfrm>
+      </p:grpSpPr>
+      <p:sp>
+        <p:nvSpPr>
+          <p:cNvPr id="2" name="Title 1">
+            <a:extLst>
+              <a:ext uri="{FF2B5EF4-FFF2-40B4-BE49-F238E27FC236}">
+                <a16:creationId xmlns:a16="http://schemas.microsoft.com/office/drawing/2014/main" id="{8012A6D0-56EB-49EE-AC70-0F1B9B2EDA30}"/>
+              </a:ext>
+            </a:extLst>
+          </p:cNvPr>
+          <p:cNvSpPr>
+            <a:spLocks noGrp="1"/>
+          </p:cNvSpPr>
+          <p:nvPr>
+            <p:ph type="title"/>
+          </p:nvPr>
+        </p:nvSpPr>
+        <p:spPr>
+          <a:xfrm>
+            <a:off x="2361563" y="1830189"/>
+            <a:ext cx="7468875" cy="822400"/>
+          </a:xfrm>
+        </p:spPr>
+        <p:txBody>
+          <a:bodyPr/>
+          <a:lstStyle/>
+          <a:p>
+            <a:r>
+              <a:rPr lang="en-US" dirty="0"/>
+              <a:t>PowerPoint and Code</a:t>
+            </a:r>
+          </a:p>
+        </p:txBody>
+      </p:sp>
+      <p:sp>
+        <p:nvSpPr>
+          <p:cNvPr id="4" name="Subtitle 3">
+            <a:extLst>
+              <a:ext uri="{FF2B5EF4-FFF2-40B4-BE49-F238E27FC236}">
+                <a16:creationId xmlns:a16="http://schemas.microsoft.com/office/drawing/2014/main" id="{FCE4C0B2-E775-4300-9C1C-B204E2F812E0}"/>
+              </a:ext>
+            </a:extLst>
+          </p:cNvPr>
+          <p:cNvSpPr>
+            <a:spLocks noGrp="1"/>
+          </p:cNvSpPr>
+          <p:nvPr>
+            <p:ph type="subTitle" idx="1"/>
+          </p:nvPr>
+        </p:nvSpPr>
+        <p:spPr>
+          <a:xfrm>
+            <a:off x="3097951" y="2891671"/>
+            <a:ext cx="5500800" cy="559600"/>
+          </a:xfrm>
+        </p:spPr>
+        <p:txBody>
+          <a:bodyPr/>
+          <a:lstStyle/>
+          <a:p>
+            <a:r>
+              <a:rPr lang="en-US" dirty="0"/>
+              <a:t>Github.com/</a:t>
+            </a:r>
+            <a:r>
+              <a:rPr lang="en-US" dirty="0" err="1"/>
+              <a:t>EELabMan</a:t>
+            </a:r>
+            <a:endParaRPr lang="en-US" dirty="0"/>
+          </a:p>
+        </p:txBody>
+      </p:sp>
+      <p:sp>
+        <p:nvSpPr>
+          <p:cNvPr id="7" name="Subtitle 3">
+            <a:extLst>
+              <a:ext uri="{FF2B5EF4-FFF2-40B4-BE49-F238E27FC236}">
+                <a16:creationId xmlns:a16="http://schemas.microsoft.com/office/drawing/2014/main" id="{613D3C9A-8239-42D6-B021-1869D97AC86F}"/>
+              </a:ext>
+            </a:extLst>
+          </p:cNvPr>
+          <p:cNvSpPr txBox="1">
+            <a:spLocks/>
+          </p:cNvSpPr>
+          <p:nvPr/>
+        </p:nvSpPr>
+        <p:spPr>
+          <a:xfrm>
+            <a:off x="3097950" y="3901321"/>
+            <a:ext cx="6304668" cy="559600"/>
+          </a:xfrm>
+          <a:prstGeom prst="rect">
+            <a:avLst/>
+          </a:prstGeom>
+          <a:noFill/>
+          <a:ln>
+            <a:noFill/>
+          </a:ln>
+        </p:spPr>
+        <p:txBody>
+          <a:bodyPr spcFirstLastPara="1" wrap="square" lIns="91425" tIns="91425" rIns="91425" bIns="91425" anchor="ctr" anchorCtr="0">
+            <a:noAutofit/>
+          </a:bodyPr>
+          <a:lstStyle>
+            <a:defPPr marR="0" lvl="0" algn="l" rtl="0">
+              <a:lnSpc>
+                <a:spcPct val="100000"/>
+              </a:lnSpc>
+              <a:spcBef>
+                <a:spcPts val="0"/>
+              </a:spcBef>
+              <a:spcAft>
+                <a:spcPts val="0"/>
+              </a:spcAft>
+            </a:defPPr>
+            <a:lvl1pPr marL="457200" marR="0" lvl="0" indent="-317500" algn="ctr" rtl="0" eaLnBrk="1" hangingPunct="1">
+              <a:lnSpc>
+                <a:spcPct val="100000"/>
+              </a:lnSpc>
+              <a:spcBef>
+                <a:spcPts val="0"/>
+              </a:spcBef>
+              <a:spcAft>
+                <a:spcPts val="0"/>
+              </a:spcAft>
+              <a:buClr>
+                <a:schemeClr val="dk2"/>
+              </a:buClr>
+              <a:buSzPts val="1400"/>
+              <a:buFont typeface="Source Sans Pro"/>
+              <a:buNone/>
+              <a:defRPr sz="1867" b="0" i="0" u="none" strike="noStrike" cap="none">
+                <a:solidFill>
+                  <a:schemeClr val="dk2"/>
+                </a:solidFill>
+                <a:latin typeface="Source Sans Pro"/>
+                <a:ea typeface="Source Sans Pro"/>
+                <a:cs typeface="Source Sans Pro"/>
+                <a:sym typeface="Source Sans Pro"/>
+              </a:defRPr>
+            </a:lvl1pPr>
+            <a:lvl2pPr marL="914400" marR="0" lvl="1" indent="-317500" algn="ctr" rtl="0" eaLnBrk="1" hangingPunct="1">
+              <a:lnSpc>
+                <a:spcPct val="100000"/>
+              </a:lnSpc>
+              <a:spcBef>
+                <a:spcPts val="0"/>
+              </a:spcBef>
+              <a:spcAft>
+                <a:spcPts val="0"/>
+              </a:spcAft>
+              <a:buClr>
+                <a:schemeClr val="dk2"/>
+              </a:buClr>
+              <a:buSzPts val="1400"/>
+              <a:buFont typeface="Source Sans Pro"/>
+              <a:buNone/>
+              <a:defRPr sz="1867" b="0" i="0" u="none" strike="noStrike" cap="none">
+                <a:solidFill>
+                  <a:schemeClr val="dk2"/>
+                </a:solidFill>
+                <a:latin typeface="Source Sans Pro"/>
+                <a:ea typeface="Source Sans Pro"/>
+                <a:cs typeface="Source Sans Pro"/>
+                <a:sym typeface="Source Sans Pro"/>
+              </a:defRPr>
+            </a:lvl2pPr>
+            <a:lvl3pPr marL="1371600" marR="0" lvl="2" indent="-317500" algn="ctr" rtl="0" eaLnBrk="1" hangingPunct="1">
+              <a:lnSpc>
+                <a:spcPct val="100000"/>
+              </a:lnSpc>
+              <a:spcBef>
+                <a:spcPts val="2133"/>
+              </a:spcBef>
+              <a:spcAft>
+                <a:spcPts val="0"/>
+              </a:spcAft>
+              <a:buClr>
+                <a:schemeClr val="dk2"/>
+              </a:buClr>
+              <a:buSzPts val="1400"/>
+              <a:buFont typeface="Source Sans Pro"/>
+              <a:buNone/>
+              <a:defRPr sz="1867" b="0" i="0" u="none" strike="noStrike" cap="none">
+                <a:solidFill>
+                  <a:schemeClr val="dk2"/>
+                </a:solidFill>
+                <a:latin typeface="Source Sans Pro"/>
+                <a:ea typeface="Source Sans Pro"/>
+                <a:cs typeface="Source Sans Pro"/>
+                <a:sym typeface="Source Sans Pro"/>
+              </a:defRPr>
+            </a:lvl3pPr>
+            <a:lvl4pPr marL="1828800" marR="0" lvl="3" indent="-317500" algn="ctr" rtl="0" eaLnBrk="1" hangingPunct="1">
+              <a:lnSpc>
+                <a:spcPct val="100000"/>
+              </a:lnSpc>
+              <a:spcBef>
+                <a:spcPts val="2133"/>
+              </a:spcBef>
+              <a:spcAft>
+                <a:spcPts val="0"/>
+              </a:spcAft>
+              <a:buClr>
+                <a:schemeClr val="dk2"/>
+              </a:buClr>
+              <a:buSzPts val="1400"/>
+              <a:buFont typeface="Source Sans Pro"/>
+              <a:buNone/>
+              <a:defRPr sz="1867" b="0" i="0" u="none" strike="noStrike" cap="none">
+                <a:solidFill>
+                  <a:schemeClr val="dk2"/>
+                </a:solidFill>
+                <a:latin typeface="Source Sans Pro"/>
+                <a:ea typeface="Source Sans Pro"/>
+                <a:cs typeface="Source Sans Pro"/>
+                <a:sym typeface="Source Sans Pro"/>
+              </a:defRPr>
+            </a:lvl4pPr>
+            <a:lvl5pPr marL="2286000" marR="0" lvl="4" indent="-317500" algn="ctr" rtl="0" eaLnBrk="1" hangingPunct="1">
+              <a:lnSpc>
+                <a:spcPct val="100000"/>
+              </a:lnSpc>
+              <a:spcBef>
+                <a:spcPts val="2133"/>
+              </a:spcBef>
+              <a:spcAft>
+                <a:spcPts val="0"/>
+              </a:spcAft>
+              <a:buClr>
+                <a:schemeClr val="dk2"/>
+              </a:buClr>
+              <a:buSzPts val="1400"/>
+              <a:buFont typeface="Source Sans Pro"/>
+              <a:buNone/>
+              <a:defRPr sz="1867" b="0" i="0" u="none" strike="noStrike" cap="none">
+                <a:solidFill>
+                  <a:schemeClr val="dk2"/>
+                </a:solidFill>
+                <a:latin typeface="Source Sans Pro"/>
+                <a:ea typeface="Source Sans Pro"/>
+                <a:cs typeface="Source Sans Pro"/>
+                <a:sym typeface="Source Sans Pro"/>
+              </a:defRPr>
+            </a:lvl5pPr>
+            <a:lvl6pPr marL="2743200" marR="0" lvl="5" indent="-317500" algn="ctr" rtl="0" eaLnBrk="1" hangingPunct="1">
+              <a:lnSpc>
+                <a:spcPct val="100000"/>
+              </a:lnSpc>
+              <a:spcBef>
+                <a:spcPts val="2133"/>
+              </a:spcBef>
+              <a:spcAft>
+                <a:spcPts val="0"/>
+              </a:spcAft>
+              <a:buClr>
+                <a:schemeClr val="dk2"/>
+              </a:buClr>
+              <a:buSzPts val="1400"/>
+              <a:buFont typeface="Source Sans Pro"/>
+              <a:buNone/>
+              <a:defRPr sz="1867" b="0" i="0" u="none" strike="noStrike" cap="none">
+                <a:solidFill>
+                  <a:schemeClr val="dk2"/>
+                </a:solidFill>
+                <a:latin typeface="Source Sans Pro"/>
+                <a:ea typeface="Source Sans Pro"/>
+                <a:cs typeface="Source Sans Pro"/>
+                <a:sym typeface="Source Sans Pro"/>
+              </a:defRPr>
+            </a:lvl6pPr>
+            <a:lvl7pPr marL="3200400" marR="0" lvl="6" indent="-317500" algn="ctr" rtl="0" eaLnBrk="1" hangingPunct="1">
+              <a:lnSpc>
+                <a:spcPct val="100000"/>
+              </a:lnSpc>
+              <a:spcBef>
+                <a:spcPts val="2133"/>
+              </a:spcBef>
+              <a:spcAft>
+                <a:spcPts val="0"/>
+              </a:spcAft>
+              <a:buClr>
+                <a:schemeClr val="dk2"/>
+              </a:buClr>
+              <a:buSzPts val="1400"/>
+              <a:buFont typeface="Source Sans Pro"/>
+              <a:buNone/>
+              <a:defRPr sz="1867" b="0" i="0" u="none" strike="noStrike" cap="none">
+                <a:solidFill>
+                  <a:schemeClr val="dk2"/>
+                </a:solidFill>
+                <a:latin typeface="Source Sans Pro"/>
+                <a:ea typeface="Source Sans Pro"/>
+                <a:cs typeface="Source Sans Pro"/>
+                <a:sym typeface="Source Sans Pro"/>
+              </a:defRPr>
+            </a:lvl7pPr>
+            <a:lvl8pPr marL="3657600" marR="0" lvl="7" indent="-317500" algn="ctr" rtl="0" eaLnBrk="1" hangingPunct="1">
+              <a:lnSpc>
+                <a:spcPct val="100000"/>
+              </a:lnSpc>
+              <a:spcBef>
+                <a:spcPts val="2133"/>
+              </a:spcBef>
+              <a:spcAft>
+                <a:spcPts val="0"/>
+              </a:spcAft>
+              <a:buClr>
+                <a:schemeClr val="dk2"/>
+              </a:buClr>
+              <a:buSzPts val="1400"/>
+              <a:buFont typeface="Source Sans Pro"/>
+              <a:buNone/>
+              <a:defRPr sz="1867" b="0" i="0" u="none" strike="noStrike" cap="none">
+                <a:solidFill>
+                  <a:schemeClr val="dk2"/>
+                </a:solidFill>
+                <a:latin typeface="Source Sans Pro"/>
+                <a:ea typeface="Source Sans Pro"/>
+                <a:cs typeface="Source Sans Pro"/>
+                <a:sym typeface="Source Sans Pro"/>
+              </a:defRPr>
+            </a:lvl8pPr>
+            <a:lvl9pPr marL="4114800" marR="0" lvl="8" indent="-317500" algn="ctr" rtl="0" eaLnBrk="1" hangingPunct="1">
+              <a:lnSpc>
+                <a:spcPct val="100000"/>
+              </a:lnSpc>
+              <a:spcBef>
+                <a:spcPts val="2133"/>
+              </a:spcBef>
+              <a:spcAft>
+                <a:spcPts val="2133"/>
+              </a:spcAft>
+              <a:buClr>
+                <a:schemeClr val="dk2"/>
+              </a:buClr>
+              <a:buSzPts val="1400"/>
+              <a:buFont typeface="Source Sans Pro"/>
+              <a:buNone/>
+              <a:defRPr sz="1867" b="0" i="0" u="none" strike="noStrike" cap="none">
+                <a:solidFill>
+                  <a:schemeClr val="dk2"/>
+                </a:solidFill>
+                <a:latin typeface="Source Sans Pro"/>
+                <a:ea typeface="Source Sans Pro"/>
+                <a:cs typeface="Source Sans Pro"/>
+                <a:sym typeface="Source Sans Pro"/>
+              </a:defRPr>
+            </a:lvl9pPr>
+          </a:lstStyle>
+          <a:p>
+            <a:r>
+              <a:rPr lang="en-US" dirty="0"/>
+              <a:t>Go To Repositories and find LoRa-Radio</a:t>
+            </a:r>
+          </a:p>
+          <a:p>
+            <a:r>
+              <a:rPr lang="en-US" dirty="0"/>
+              <a:t>Click the green button to download the .zip file and extract it on your computer.</a:t>
+            </a:r>
+          </a:p>
+        </p:txBody>
+      </p:sp>
+    </p:spTree>
+    <p:extLst>
+      <p:ext uri="{BB962C8B-B14F-4D97-AF65-F5344CB8AC3E}">
+        <p14:creationId xmlns:p14="http://schemas.microsoft.com/office/powerpoint/2010/main" val="86687579"/>
+      </p:ext>
+    </p:extLst>
+  </p:cSld>
+  <p:clrMapOvr>
+    <a:masterClrMapping/>
+  </p:clrMapOvr>
+</p:sld>
+</file>
+
+<file path=ppt/slides/slide20.xml><?xml version="1.0" encoding="utf-8"?>
 <p:sld xmlns:a="http://schemas.openxmlformats.org/drawingml/2006/main" xmlns:r="http://schemas.openxmlformats.org/officeDocument/2006/relationships" xmlns:p="http://schemas.openxmlformats.org/presentationml/2006/main">
   <p:cSld>
     <p:spTree>
@@ -55829,400 +56633,7 @@
 </p:sld>
 </file>
 
-<file path=ppt/slides/slide2.xml><?xml version="1.0" encoding="utf-8"?>
-<p:sld xmlns:a="http://schemas.openxmlformats.org/drawingml/2006/main" xmlns:r="http://schemas.openxmlformats.org/officeDocument/2006/relationships" xmlns:p="http://schemas.openxmlformats.org/presentationml/2006/main">
-  <p:cSld>
-    <p:spTree>
-      <p:nvGrpSpPr>
-        <p:cNvPr id="1" name=""/>
-        <p:cNvGrpSpPr/>
-        <p:nvPr/>
-      </p:nvGrpSpPr>
-      <p:grpSpPr>
-        <a:xfrm>
-          <a:off x="0" y="0"/>
-          <a:ext cx="0" cy="0"/>
-          <a:chOff x="0" y="0"/>
-          <a:chExt cx="0" cy="0"/>
-        </a:xfrm>
-      </p:grpSpPr>
-      <p:sp>
-        <p:nvSpPr>
-          <p:cNvPr id="2" name="Title 1">
-            <a:extLst>
-              <a:ext uri="{FF2B5EF4-FFF2-40B4-BE49-F238E27FC236}">
-                <a16:creationId xmlns:a16="http://schemas.microsoft.com/office/drawing/2014/main" id="{8012A6D0-56EB-49EE-AC70-0F1B9B2EDA30}"/>
-              </a:ext>
-            </a:extLst>
-          </p:cNvPr>
-          <p:cNvSpPr>
-            <a:spLocks noGrp="1"/>
-          </p:cNvSpPr>
-          <p:nvPr>
-            <p:ph type="title"/>
-          </p:nvPr>
-        </p:nvSpPr>
-        <p:spPr>
-          <a:xfrm>
-            <a:off x="2361563" y="1830189"/>
-            <a:ext cx="7468875" cy="822400"/>
-          </a:xfrm>
-        </p:spPr>
-        <p:txBody>
-          <a:bodyPr/>
-          <a:lstStyle/>
-          <a:p>
-            <a:r>
-              <a:rPr lang="en-US" dirty="0"/>
-              <a:t>PowerPoint and Code</a:t>
-            </a:r>
-          </a:p>
-        </p:txBody>
-      </p:sp>
-      <p:sp>
-        <p:nvSpPr>
-          <p:cNvPr id="4" name="Subtitle 3">
-            <a:extLst>
-              <a:ext uri="{FF2B5EF4-FFF2-40B4-BE49-F238E27FC236}">
-                <a16:creationId xmlns:a16="http://schemas.microsoft.com/office/drawing/2014/main" id="{FCE4C0B2-E775-4300-9C1C-B204E2F812E0}"/>
-              </a:ext>
-            </a:extLst>
-          </p:cNvPr>
-          <p:cNvSpPr>
-            <a:spLocks noGrp="1"/>
-          </p:cNvSpPr>
-          <p:nvPr>
-            <p:ph type="subTitle" idx="1"/>
-          </p:nvPr>
-        </p:nvSpPr>
-        <p:spPr>
-          <a:xfrm>
-            <a:off x="3097951" y="2891671"/>
-            <a:ext cx="5500800" cy="559600"/>
-          </a:xfrm>
-        </p:spPr>
-        <p:txBody>
-          <a:bodyPr/>
-          <a:lstStyle/>
-          <a:p>
-            <a:r>
-              <a:rPr lang="en-US" dirty="0"/>
-              <a:t>Github.com/</a:t>
-            </a:r>
-            <a:r>
-              <a:rPr lang="en-US" dirty="0" err="1"/>
-              <a:t>EELabMan</a:t>
-            </a:r>
-            <a:endParaRPr lang="en-US" dirty="0"/>
-          </a:p>
-        </p:txBody>
-      </p:sp>
-      <p:sp>
-        <p:nvSpPr>
-          <p:cNvPr id="7" name="Subtitle 3">
-            <a:extLst>
-              <a:ext uri="{FF2B5EF4-FFF2-40B4-BE49-F238E27FC236}">
-                <a16:creationId xmlns:a16="http://schemas.microsoft.com/office/drawing/2014/main" id="{613D3C9A-8239-42D6-B021-1869D97AC86F}"/>
-              </a:ext>
-            </a:extLst>
-          </p:cNvPr>
-          <p:cNvSpPr txBox="1">
-            <a:spLocks/>
-          </p:cNvSpPr>
-          <p:nvPr/>
-        </p:nvSpPr>
-        <p:spPr>
-          <a:xfrm>
-            <a:off x="3097950" y="3901321"/>
-            <a:ext cx="6304668" cy="559600"/>
-          </a:xfrm>
-          <a:prstGeom prst="rect">
-            <a:avLst/>
-          </a:prstGeom>
-          <a:noFill/>
-          <a:ln>
-            <a:noFill/>
-          </a:ln>
-        </p:spPr>
-        <p:txBody>
-          <a:bodyPr spcFirstLastPara="1" wrap="square" lIns="91425" tIns="91425" rIns="91425" bIns="91425" anchor="ctr" anchorCtr="0">
-            <a:noAutofit/>
-          </a:bodyPr>
-          <a:lstStyle>
-            <a:defPPr marR="0" lvl="0" algn="l" rtl="0">
-              <a:lnSpc>
-                <a:spcPct val="100000"/>
-              </a:lnSpc>
-              <a:spcBef>
-                <a:spcPts val="0"/>
-              </a:spcBef>
-              <a:spcAft>
-                <a:spcPts val="0"/>
-              </a:spcAft>
-            </a:defPPr>
-            <a:lvl1pPr marL="457200" marR="0" lvl="0" indent="-317500" algn="ctr" rtl="0" eaLnBrk="1" hangingPunct="1">
-              <a:lnSpc>
-                <a:spcPct val="100000"/>
-              </a:lnSpc>
-              <a:spcBef>
-                <a:spcPts val="0"/>
-              </a:spcBef>
-              <a:spcAft>
-                <a:spcPts val="0"/>
-              </a:spcAft>
-              <a:buClr>
-                <a:schemeClr val="dk2"/>
-              </a:buClr>
-              <a:buSzPts val="1400"/>
-              <a:buFont typeface="Source Sans Pro"/>
-              <a:buNone/>
-              <a:defRPr sz="1867" b="0" i="0" u="none" strike="noStrike" cap="none">
-                <a:solidFill>
-                  <a:schemeClr val="dk2"/>
-                </a:solidFill>
-                <a:latin typeface="Source Sans Pro"/>
-                <a:ea typeface="Source Sans Pro"/>
-                <a:cs typeface="Source Sans Pro"/>
-                <a:sym typeface="Source Sans Pro"/>
-              </a:defRPr>
-            </a:lvl1pPr>
-            <a:lvl2pPr marL="914400" marR="0" lvl="1" indent="-317500" algn="ctr" rtl="0" eaLnBrk="1" hangingPunct="1">
-              <a:lnSpc>
-                <a:spcPct val="100000"/>
-              </a:lnSpc>
-              <a:spcBef>
-                <a:spcPts val="0"/>
-              </a:spcBef>
-              <a:spcAft>
-                <a:spcPts val="0"/>
-              </a:spcAft>
-              <a:buClr>
-                <a:schemeClr val="dk2"/>
-              </a:buClr>
-              <a:buSzPts val="1400"/>
-              <a:buFont typeface="Source Sans Pro"/>
-              <a:buNone/>
-              <a:defRPr sz="1867" b="0" i="0" u="none" strike="noStrike" cap="none">
-                <a:solidFill>
-                  <a:schemeClr val="dk2"/>
-                </a:solidFill>
-                <a:latin typeface="Source Sans Pro"/>
-                <a:ea typeface="Source Sans Pro"/>
-                <a:cs typeface="Source Sans Pro"/>
-                <a:sym typeface="Source Sans Pro"/>
-              </a:defRPr>
-            </a:lvl2pPr>
-            <a:lvl3pPr marL="1371600" marR="0" lvl="2" indent="-317500" algn="ctr" rtl="0" eaLnBrk="1" hangingPunct="1">
-              <a:lnSpc>
-                <a:spcPct val="100000"/>
-              </a:lnSpc>
-              <a:spcBef>
-                <a:spcPts val="2133"/>
-              </a:spcBef>
-              <a:spcAft>
-                <a:spcPts val="0"/>
-              </a:spcAft>
-              <a:buClr>
-                <a:schemeClr val="dk2"/>
-              </a:buClr>
-              <a:buSzPts val="1400"/>
-              <a:buFont typeface="Source Sans Pro"/>
-              <a:buNone/>
-              <a:defRPr sz="1867" b="0" i="0" u="none" strike="noStrike" cap="none">
-                <a:solidFill>
-                  <a:schemeClr val="dk2"/>
-                </a:solidFill>
-                <a:latin typeface="Source Sans Pro"/>
-                <a:ea typeface="Source Sans Pro"/>
-                <a:cs typeface="Source Sans Pro"/>
-                <a:sym typeface="Source Sans Pro"/>
-              </a:defRPr>
-            </a:lvl3pPr>
-            <a:lvl4pPr marL="1828800" marR="0" lvl="3" indent="-317500" algn="ctr" rtl="0" eaLnBrk="1" hangingPunct="1">
-              <a:lnSpc>
-                <a:spcPct val="100000"/>
-              </a:lnSpc>
-              <a:spcBef>
-                <a:spcPts val="2133"/>
-              </a:spcBef>
-              <a:spcAft>
-                <a:spcPts val="0"/>
-              </a:spcAft>
-              <a:buClr>
-                <a:schemeClr val="dk2"/>
-              </a:buClr>
-              <a:buSzPts val="1400"/>
-              <a:buFont typeface="Source Sans Pro"/>
-              <a:buNone/>
-              <a:defRPr sz="1867" b="0" i="0" u="none" strike="noStrike" cap="none">
-                <a:solidFill>
-                  <a:schemeClr val="dk2"/>
-                </a:solidFill>
-                <a:latin typeface="Source Sans Pro"/>
-                <a:ea typeface="Source Sans Pro"/>
-                <a:cs typeface="Source Sans Pro"/>
-                <a:sym typeface="Source Sans Pro"/>
-              </a:defRPr>
-            </a:lvl4pPr>
-            <a:lvl5pPr marL="2286000" marR="0" lvl="4" indent="-317500" algn="ctr" rtl="0" eaLnBrk="1" hangingPunct="1">
-              <a:lnSpc>
-                <a:spcPct val="100000"/>
-              </a:lnSpc>
-              <a:spcBef>
-                <a:spcPts val="2133"/>
-              </a:spcBef>
-              <a:spcAft>
-                <a:spcPts val="0"/>
-              </a:spcAft>
-              <a:buClr>
-                <a:schemeClr val="dk2"/>
-              </a:buClr>
-              <a:buSzPts val="1400"/>
-              <a:buFont typeface="Source Sans Pro"/>
-              <a:buNone/>
-              <a:defRPr sz="1867" b="0" i="0" u="none" strike="noStrike" cap="none">
-                <a:solidFill>
-                  <a:schemeClr val="dk2"/>
-                </a:solidFill>
-                <a:latin typeface="Source Sans Pro"/>
-                <a:ea typeface="Source Sans Pro"/>
-                <a:cs typeface="Source Sans Pro"/>
-                <a:sym typeface="Source Sans Pro"/>
-              </a:defRPr>
-            </a:lvl5pPr>
-            <a:lvl6pPr marL="2743200" marR="0" lvl="5" indent="-317500" algn="ctr" rtl="0" eaLnBrk="1" hangingPunct="1">
-              <a:lnSpc>
-                <a:spcPct val="100000"/>
-              </a:lnSpc>
-              <a:spcBef>
-                <a:spcPts val="2133"/>
-              </a:spcBef>
-              <a:spcAft>
-                <a:spcPts val="0"/>
-              </a:spcAft>
-              <a:buClr>
-                <a:schemeClr val="dk2"/>
-              </a:buClr>
-              <a:buSzPts val="1400"/>
-              <a:buFont typeface="Source Sans Pro"/>
-              <a:buNone/>
-              <a:defRPr sz="1867" b="0" i="0" u="none" strike="noStrike" cap="none">
-                <a:solidFill>
-                  <a:schemeClr val="dk2"/>
-                </a:solidFill>
-                <a:latin typeface="Source Sans Pro"/>
-                <a:ea typeface="Source Sans Pro"/>
-                <a:cs typeface="Source Sans Pro"/>
-                <a:sym typeface="Source Sans Pro"/>
-              </a:defRPr>
-            </a:lvl6pPr>
-            <a:lvl7pPr marL="3200400" marR="0" lvl="6" indent="-317500" algn="ctr" rtl="0" eaLnBrk="1" hangingPunct="1">
-              <a:lnSpc>
-                <a:spcPct val="100000"/>
-              </a:lnSpc>
-              <a:spcBef>
-                <a:spcPts val="2133"/>
-              </a:spcBef>
-              <a:spcAft>
-                <a:spcPts val="0"/>
-              </a:spcAft>
-              <a:buClr>
-                <a:schemeClr val="dk2"/>
-              </a:buClr>
-              <a:buSzPts val="1400"/>
-              <a:buFont typeface="Source Sans Pro"/>
-              <a:buNone/>
-              <a:defRPr sz="1867" b="0" i="0" u="none" strike="noStrike" cap="none">
-                <a:solidFill>
-                  <a:schemeClr val="dk2"/>
-                </a:solidFill>
-                <a:latin typeface="Source Sans Pro"/>
-                <a:ea typeface="Source Sans Pro"/>
-                <a:cs typeface="Source Sans Pro"/>
-                <a:sym typeface="Source Sans Pro"/>
-              </a:defRPr>
-            </a:lvl7pPr>
-            <a:lvl8pPr marL="3657600" marR="0" lvl="7" indent="-317500" algn="ctr" rtl="0" eaLnBrk="1" hangingPunct="1">
-              <a:lnSpc>
-                <a:spcPct val="100000"/>
-              </a:lnSpc>
-              <a:spcBef>
-                <a:spcPts val="2133"/>
-              </a:spcBef>
-              <a:spcAft>
-                <a:spcPts val="0"/>
-              </a:spcAft>
-              <a:buClr>
-                <a:schemeClr val="dk2"/>
-              </a:buClr>
-              <a:buSzPts val="1400"/>
-              <a:buFont typeface="Source Sans Pro"/>
-              <a:buNone/>
-              <a:defRPr sz="1867" b="0" i="0" u="none" strike="noStrike" cap="none">
-                <a:solidFill>
-                  <a:schemeClr val="dk2"/>
-                </a:solidFill>
-                <a:latin typeface="Source Sans Pro"/>
-                <a:ea typeface="Source Sans Pro"/>
-                <a:cs typeface="Source Sans Pro"/>
-                <a:sym typeface="Source Sans Pro"/>
-              </a:defRPr>
-            </a:lvl8pPr>
-            <a:lvl9pPr marL="4114800" marR="0" lvl="8" indent="-317500" algn="ctr" rtl="0" eaLnBrk="1" hangingPunct="1">
-              <a:lnSpc>
-                <a:spcPct val="100000"/>
-              </a:lnSpc>
-              <a:spcBef>
-                <a:spcPts val="2133"/>
-              </a:spcBef>
-              <a:spcAft>
-                <a:spcPts val="2133"/>
-              </a:spcAft>
-              <a:buClr>
-                <a:schemeClr val="dk2"/>
-              </a:buClr>
-              <a:buSzPts val="1400"/>
-              <a:buFont typeface="Source Sans Pro"/>
-              <a:buNone/>
-              <a:defRPr sz="1867" b="0" i="0" u="none" strike="noStrike" cap="none">
-                <a:solidFill>
-                  <a:schemeClr val="dk2"/>
-                </a:solidFill>
-                <a:latin typeface="Source Sans Pro"/>
-                <a:ea typeface="Source Sans Pro"/>
-                <a:cs typeface="Source Sans Pro"/>
-                <a:sym typeface="Source Sans Pro"/>
-              </a:defRPr>
-            </a:lvl9pPr>
-          </a:lstStyle>
-          <a:p>
-            <a:r>
-              <a:rPr lang="en-US" dirty="0"/>
-              <a:t>Go To Repositories and find LoRa-Radio</a:t>
-            </a:r>
-          </a:p>
-          <a:p>
-            <a:r>
-              <a:rPr lang="en-US" dirty="0"/>
-              <a:t>Click the green button to download the .zip file and extract it on your computer.</a:t>
-            </a:r>
-          </a:p>
-        </p:txBody>
-      </p:sp>
-    </p:spTree>
-    <p:extLst>
-      <p:ext uri="{BB962C8B-B14F-4D97-AF65-F5344CB8AC3E}">
-        <p14:creationId xmlns:p14="http://schemas.microsoft.com/office/powerpoint/2010/main" val="86687579"/>
-      </p:ext>
-    </p:extLst>
-  </p:cSld>
-  <p:clrMapOvr>
-    <a:masterClrMapping/>
-  </p:clrMapOvr>
-</p:sld>
-</file>
-
-<file path=ppt/slides/slide20.xml><?xml version="1.0" encoding="utf-8"?>
+<file path=ppt/slides/slide21.xml><?xml version="1.0" encoding="utf-8"?>
 <p:sld xmlns:a="http://schemas.openxmlformats.org/drawingml/2006/main" xmlns:r="http://schemas.openxmlformats.org/officeDocument/2006/relationships" xmlns:p="http://schemas.openxmlformats.org/presentationml/2006/main">
   <p:cSld>
     <p:spTree>
